--- a/Image Segmentation.pptx
+++ b/Image Segmentation.pptx
@@ -5,10 +5,10 @@
     <p:sldMasterId id="2147483660" r:id="rId1"/>
   </p:sldMasterIdLst>
   <p:notesMasterIdLst>
-    <p:notesMasterId r:id="rId10"/>
+    <p:notesMasterId r:id="rId13"/>
   </p:notesMasterIdLst>
   <p:handoutMasterIdLst>
-    <p:handoutMasterId r:id="rId11"/>
+    <p:handoutMasterId r:id="rId14"/>
   </p:handoutMasterIdLst>
   <p:sldIdLst>
     <p:sldId id="256" r:id="rId2"/>
@@ -19,6 +19,9 @@
     <p:sldId id="262" r:id="rId7"/>
     <p:sldId id="263" r:id="rId8"/>
     <p:sldId id="265" r:id="rId9"/>
+    <p:sldId id="267" r:id="rId10"/>
+    <p:sldId id="268" r:id="rId11"/>
+    <p:sldId id="266" r:id="rId12"/>
   </p:sldIdLst>
   <p:sldSz cx="12188825" cy="6858000"/>
   <p:notesSz cx="6858000" cy="9144000"/>
@@ -4531,6 +4534,764 @@
 </p:sld>
 </file>
 
+<file path=ppt/slides/slide10.xml><?xml version="1.0" encoding="utf-8"?>
+<p:sld xmlns:a="http://schemas.openxmlformats.org/drawingml/2006/main" xmlns:r="http://schemas.openxmlformats.org/officeDocument/2006/relationships" xmlns:p="http://schemas.openxmlformats.org/presentationml/2006/main">
+  <p:cSld>
+    <p:spTree>
+      <p:nvGrpSpPr>
+        <p:cNvPr id="1" name=""/>
+        <p:cNvGrpSpPr/>
+        <p:nvPr/>
+      </p:nvGrpSpPr>
+      <p:grpSpPr>
+        <a:xfrm>
+          <a:off x="0" y="0"/>
+          <a:ext cx="0" cy="0"/>
+          <a:chOff x="0" y="0"/>
+          <a:chExt cx="0" cy="0"/>
+        </a:xfrm>
+      </p:grpSpPr>
+      <p:sp>
+        <p:nvSpPr>
+          <p:cNvPr id="2" name="Title 1"/>
+          <p:cNvSpPr>
+            <a:spLocks noGrp="1"/>
+          </p:cNvSpPr>
+          <p:nvPr>
+            <p:ph type="title"/>
+          </p:nvPr>
+        </p:nvSpPr>
+        <p:spPr>
+          <a:xfrm>
+            <a:off x="7174532" y="345976"/>
+            <a:ext cx="4909622" cy="418728"/>
+          </a:xfrm>
+        </p:spPr>
+        <p:txBody>
+          <a:bodyPr>
+            <a:normAutofit fontScale="90000"/>
+          </a:bodyPr>
+          <a:lstStyle/>
+          <a:p>
+            <a:r>
+              <a:rPr lang="en-US" sz="2800" b="1" dirty="0"/>
+              <a:t>Discontinuity Based Techniques</a:t>
+            </a:r>
+          </a:p>
+        </p:txBody>
+      </p:sp>
+      <p:cxnSp>
+        <p:nvCxnSpPr>
+          <p:cNvPr id="7" name="Straight Connector 6">
+            <a:extLst>
+              <a:ext uri="{FF2B5EF4-FFF2-40B4-BE49-F238E27FC236}">
+                <a16:creationId xmlns:a16="http://schemas.microsoft.com/office/drawing/2014/main" id="{AFB9C3EB-247B-4FAE-8EA3-732271D02D2A}"/>
+              </a:ext>
+            </a:extLst>
+          </p:cNvPr>
+          <p:cNvCxnSpPr>
+            <a:cxnSpLocks/>
+          </p:cNvCxnSpPr>
+          <p:nvPr/>
+        </p:nvCxnSpPr>
+        <p:spPr>
+          <a:xfrm flipH="1">
+            <a:off x="0" y="908720"/>
+            <a:ext cx="12188826" cy="0"/>
+          </a:xfrm>
+          <a:prstGeom prst="line">
+            <a:avLst/>
+          </a:prstGeom>
+          <a:ln w="28575"/>
+        </p:spPr>
+        <p:style>
+          <a:lnRef idx="1">
+            <a:schemeClr val="accent1"/>
+          </a:lnRef>
+          <a:fillRef idx="0">
+            <a:schemeClr val="accent1"/>
+          </a:fillRef>
+          <a:effectRef idx="0">
+            <a:schemeClr val="accent1"/>
+          </a:effectRef>
+          <a:fontRef idx="minor">
+            <a:schemeClr val="tx1"/>
+          </a:fontRef>
+        </p:style>
+      </p:cxnSp>
+      <mc:AlternateContent xmlns:mc="http://schemas.openxmlformats.org/markup-compatibility/2006">
+        <mc:Choice xmlns:a14="http://schemas.microsoft.com/office/drawing/2010/main" Requires="a14">
+          <p:sp>
+            <p:nvSpPr>
+              <p:cNvPr id="11" name="TextBox 10">
+                <a:extLst>
+                  <a:ext uri="{FF2B5EF4-FFF2-40B4-BE49-F238E27FC236}">
+                    <a16:creationId xmlns:a16="http://schemas.microsoft.com/office/drawing/2014/main" id="{72E89655-012F-4EE6-B046-4E337BFB335E}"/>
+                  </a:ext>
+                </a:extLst>
+              </p:cNvPr>
+              <p:cNvSpPr txBox="1"/>
+              <p:nvPr/>
+            </p:nvSpPr>
+            <p:spPr>
+              <a:xfrm>
+                <a:off x="8038628" y="4293096"/>
+                <a:ext cx="3613669" cy="369332"/>
+              </a:xfrm>
+              <a:prstGeom prst="rect">
+                <a:avLst/>
+              </a:prstGeom>
+              <a:noFill/>
+              <a:ln w="19050">
+                <a:solidFill>
+                  <a:schemeClr val="tx1"/>
+                </a:solidFill>
+              </a:ln>
+            </p:spPr>
+            <p:txBody>
+              <a:bodyPr wrap="square" lIns="0" tIns="0" rIns="0" bIns="0" rtlCol="0" anchor="ctr" anchorCtr="1">
+                <a:spAutoFit/>
+              </a:bodyPr>
+              <a:lstStyle/>
+              <a:p>
+                <a:r>
+                  <a:rPr lang="pt-BR" sz="2400" dirty="0"/>
+                  <a:t>R</a:t>
+                </a:r>
+                <a14:m>
+                  <m:oMath xmlns:m="http://schemas.openxmlformats.org/officeDocument/2006/math">
+                    <m:r>
+                      <a:rPr lang="pt-BR" i="1" smtClean="0">
+                        <a:latin typeface="Cambria Math" panose="02040503050406030204" pitchFamily="18" charset="0"/>
+                      </a:rPr>
+                      <m:t>=</m:t>
+                    </m:r>
+                    <m:nary>
+                      <m:naryPr>
+                        <m:chr m:val="∑"/>
+                        <m:ctrlPr>
+                          <a:rPr lang="pt-BR" b="0" i="1" smtClean="0">
+                            <a:latin typeface="Cambria Math" panose="02040503050406030204" pitchFamily="18" charset="0"/>
+                          </a:rPr>
+                        </m:ctrlPr>
+                      </m:naryPr>
+                      <m:sub>
+                        <m:r>
+                          <m:rPr>
+                            <m:brk m:alnAt="23"/>
+                          </m:rPr>
+                          <a:rPr lang="en-US" b="0" i="1" smtClean="0">
+                            <a:latin typeface="Cambria Math" panose="02040503050406030204" pitchFamily="18" charset="0"/>
+                          </a:rPr>
+                          <m:t>𝑖</m:t>
+                        </m:r>
+                        <m:r>
+                          <a:rPr lang="pt-BR" i="1" smtClean="0">
+                            <a:latin typeface="Cambria Math" panose="02040503050406030204" pitchFamily="18" charset="0"/>
+                          </a:rPr>
+                          <m:t>=</m:t>
+                        </m:r>
+                        <m:r>
+                          <a:rPr lang="en-US" b="0" i="1" smtClean="0">
+                            <a:latin typeface="Cambria Math" panose="02040503050406030204" pitchFamily="18" charset="0"/>
+                          </a:rPr>
+                          <m:t>−1</m:t>
+                        </m:r>
+                      </m:sub>
+                      <m:sup>
+                        <m:r>
+                          <a:rPr lang="en-US" b="0" i="1" smtClean="0">
+                            <a:latin typeface="Cambria Math" panose="02040503050406030204" pitchFamily="18" charset="0"/>
+                          </a:rPr>
+                          <m:t>1</m:t>
+                        </m:r>
+                      </m:sup>
+                      <m:e>
+                        <m:nary>
+                          <m:naryPr>
+                            <m:chr m:val="∑"/>
+                            <m:ctrlPr>
+                              <a:rPr lang="pt-BR" b="0" i="1" smtClean="0">
+                                <a:latin typeface="Cambria Math" panose="02040503050406030204" pitchFamily="18" charset="0"/>
+                              </a:rPr>
+                            </m:ctrlPr>
+                          </m:naryPr>
+                          <m:sub>
+                            <m:r>
+                              <m:rPr>
+                                <m:brk m:alnAt="23"/>
+                              </m:rPr>
+                              <a:rPr lang="en-US" b="0" i="1" smtClean="0">
+                                <a:latin typeface="Cambria Math" panose="02040503050406030204" pitchFamily="18" charset="0"/>
+                              </a:rPr>
+                              <m:t>𝑗</m:t>
+                            </m:r>
+                            <m:r>
+                              <a:rPr lang="pt-BR" i="1" smtClean="0">
+                                <a:latin typeface="Cambria Math" panose="02040503050406030204" pitchFamily="18" charset="0"/>
+                              </a:rPr>
+                              <m:t>=</m:t>
+                            </m:r>
+                            <m:r>
+                              <a:rPr lang="en-US" b="0" i="1" smtClean="0">
+                                <a:latin typeface="Cambria Math" panose="02040503050406030204" pitchFamily="18" charset="0"/>
+                              </a:rPr>
+                              <m:t>−1</m:t>
+                            </m:r>
+                          </m:sub>
+                          <m:sup>
+                            <m:r>
+                              <a:rPr lang="en-US" b="0" i="1" smtClean="0">
+                                <a:latin typeface="Cambria Math" panose="02040503050406030204" pitchFamily="18" charset="0"/>
+                              </a:rPr>
+                              <m:t>1</m:t>
+                            </m:r>
+                          </m:sup>
+                          <m:e>
+                            <m:sSub>
+                              <m:sSubPr>
+                                <m:ctrlPr>
+                                  <a:rPr lang="en-US" b="0" i="1" smtClean="0">
+                                    <a:latin typeface="Cambria Math" panose="02040503050406030204" pitchFamily="18" charset="0"/>
+                                  </a:rPr>
+                                </m:ctrlPr>
+                              </m:sSubPr>
+                              <m:e>
+                                <m:r>
+                                  <a:rPr lang="en-US" b="0" i="1" smtClean="0">
+                                    <a:latin typeface="Cambria Math" panose="02040503050406030204" pitchFamily="18" charset="0"/>
+                                  </a:rPr>
+                                  <m:t>𝑊</m:t>
+                                </m:r>
+                              </m:e>
+                              <m:sub>
+                                <m:r>
+                                  <a:rPr lang="en-US" b="0" i="1" smtClean="0">
+                                    <a:latin typeface="Cambria Math" panose="02040503050406030204" pitchFamily="18" charset="0"/>
+                                  </a:rPr>
+                                  <m:t>𝑖𝑗</m:t>
+                                </m:r>
+                              </m:sub>
+                            </m:sSub>
+                            <m:r>
+                              <a:rPr lang="en-US" b="0" i="1" smtClean="0">
+                                <a:latin typeface="Cambria Math" panose="02040503050406030204" pitchFamily="18" charset="0"/>
+                              </a:rPr>
+                              <m:t>𝑓</m:t>
+                            </m:r>
+                            <m:d>
+                              <m:dPr>
+                                <m:ctrlPr>
+                                  <a:rPr lang="en-US" b="0" i="1" smtClean="0">
+                                    <a:latin typeface="Cambria Math" panose="02040503050406030204" pitchFamily="18" charset="0"/>
+                                  </a:rPr>
+                                </m:ctrlPr>
+                              </m:dPr>
+                              <m:e>
+                                <m:r>
+                                  <a:rPr lang="en-US" b="0" i="1" smtClean="0">
+                                    <a:latin typeface="Cambria Math" panose="02040503050406030204" pitchFamily="18" charset="0"/>
+                                  </a:rPr>
+                                  <m:t>𝑥</m:t>
+                                </m:r>
+                                <m:r>
+                                  <a:rPr lang="en-US" b="0" i="1" smtClean="0">
+                                    <a:latin typeface="Cambria Math" panose="02040503050406030204" pitchFamily="18" charset="0"/>
+                                  </a:rPr>
+                                  <m:t>+</m:t>
+                                </m:r>
+                                <m:r>
+                                  <a:rPr lang="en-US" b="0" i="1" smtClean="0">
+                                    <a:latin typeface="Cambria Math" panose="02040503050406030204" pitchFamily="18" charset="0"/>
+                                  </a:rPr>
+                                  <m:t>𝑖</m:t>
+                                </m:r>
+                                <m:r>
+                                  <a:rPr lang="en-US" b="0" i="1" smtClean="0">
+                                    <a:latin typeface="Cambria Math" panose="02040503050406030204" pitchFamily="18" charset="0"/>
+                                  </a:rPr>
+                                  <m:t>,</m:t>
+                                </m:r>
+                                <m:r>
+                                  <a:rPr lang="en-US" b="0" i="1" smtClean="0">
+                                    <a:latin typeface="Cambria Math" panose="02040503050406030204" pitchFamily="18" charset="0"/>
+                                  </a:rPr>
+                                  <m:t>𝑦</m:t>
+                                </m:r>
+                                <m:r>
+                                  <a:rPr lang="en-US" b="0" i="1" smtClean="0">
+                                    <a:latin typeface="Cambria Math" panose="02040503050406030204" pitchFamily="18" charset="0"/>
+                                  </a:rPr>
+                                  <m:t>+</m:t>
+                                </m:r>
+                                <m:r>
+                                  <a:rPr lang="en-US" b="0" i="1" smtClean="0">
+                                    <a:latin typeface="Cambria Math" panose="02040503050406030204" pitchFamily="18" charset="0"/>
+                                  </a:rPr>
+                                  <m:t>𝑗</m:t>
+                                </m:r>
+                              </m:e>
+                            </m:d>
+                          </m:e>
+                        </m:nary>
+                      </m:e>
+                    </m:nary>
+                  </m:oMath>
+                </a14:m>
+                <a:endParaRPr lang="en-IN" dirty="0"/>
+              </a:p>
+            </p:txBody>
+          </p:sp>
+        </mc:Choice>
+        <mc:Fallback>
+          <p:sp>
+            <p:nvSpPr>
+              <p:cNvPr id="11" name="TextBox 10">
+                <a:extLst>
+                  <a:ext uri="{FF2B5EF4-FFF2-40B4-BE49-F238E27FC236}">
+                    <a16:creationId xmlns:a16="http://schemas.microsoft.com/office/drawing/2014/main" id="{72E89655-012F-4EE6-B046-4E337BFB335E}"/>
+                  </a:ext>
+                </a:extLst>
+              </p:cNvPr>
+              <p:cNvSpPr txBox="1">
+                <a:spLocks noRot="1" noChangeAspect="1" noMove="1" noResize="1" noEditPoints="1" noAdjustHandles="1" noChangeArrowheads="1" noChangeShapeType="1" noTextEdit="1"/>
+              </p:cNvSpPr>
+              <p:nvPr/>
+            </p:nvSpPr>
+            <p:spPr>
+              <a:xfrm>
+                <a:off x="8038628" y="4293096"/>
+                <a:ext cx="3613669" cy="369332"/>
+              </a:xfrm>
+              <a:prstGeom prst="rect">
+                <a:avLst/>
+              </a:prstGeom>
+              <a:blipFill>
+                <a:blip r:embed="rId2"/>
+                <a:stretch>
+                  <a:fillRect l="-1345" t="-106250" b="-178125"/>
+                </a:stretch>
+              </a:blipFill>
+              <a:ln w="19050">
+                <a:solidFill>
+                  <a:schemeClr val="tx1"/>
+                </a:solidFill>
+              </a:ln>
+            </p:spPr>
+            <p:txBody>
+              <a:bodyPr/>
+              <a:lstStyle/>
+              <a:p>
+                <a:r>
+                  <a:rPr lang="en-IN">
+                    <a:noFill/>
+                  </a:rPr>
+                  <a:t> </a:t>
+                </a:r>
+              </a:p>
+            </p:txBody>
+          </p:sp>
+        </mc:Fallback>
+      </mc:AlternateContent>
+      <p:sp>
+        <p:nvSpPr>
+          <p:cNvPr id="3" name="TextBox 2">
+            <a:extLst>
+              <a:ext uri="{FF2B5EF4-FFF2-40B4-BE49-F238E27FC236}">
+                <a16:creationId xmlns:a16="http://schemas.microsoft.com/office/drawing/2014/main" id="{FA4ADBE4-8650-4FC9-8878-19A2D8F1AB1F}"/>
+              </a:ext>
+            </a:extLst>
+          </p:cNvPr>
+          <p:cNvSpPr txBox="1"/>
+          <p:nvPr/>
+        </p:nvSpPr>
+        <p:spPr>
+          <a:xfrm>
+            <a:off x="261764" y="1551275"/>
+            <a:ext cx="7560840" cy="369332"/>
+          </a:xfrm>
+          <a:prstGeom prst="rect">
+            <a:avLst/>
+          </a:prstGeom>
+          <a:noFill/>
+          <a:ln>
+            <a:solidFill>
+              <a:schemeClr val="bg2"/>
+            </a:solidFill>
+          </a:ln>
+        </p:spPr>
+        <p:txBody>
+          <a:bodyPr wrap="square" rtlCol="0" anchor="ctr" anchorCtr="1">
+            <a:spAutoFit/>
+          </a:bodyPr>
+          <a:lstStyle/>
+          <a:p>
+            <a:r>
+              <a:rPr lang="en-US" dirty="0"/>
+              <a:t>It is the most common approach for detection of discontinuity of image.</a:t>
+            </a:r>
+            <a:endParaRPr lang="en-IN" dirty="0"/>
+          </a:p>
+        </p:txBody>
+      </p:sp>
+      <p:pic>
+        <p:nvPicPr>
+          <p:cNvPr id="4" name="Picture 3">
+            <a:extLst>
+              <a:ext uri="{FF2B5EF4-FFF2-40B4-BE49-F238E27FC236}">
+                <a16:creationId xmlns:a16="http://schemas.microsoft.com/office/drawing/2014/main" id="{526807CC-03BC-4DC5-A500-7B3CECD67AD9}"/>
+              </a:ext>
+            </a:extLst>
+          </p:cNvPr>
+          <p:cNvPicPr>
+            <a:picLocks noChangeAspect="1"/>
+          </p:cNvPicPr>
+          <p:nvPr/>
+        </p:nvPicPr>
+        <p:blipFill>
+          <a:blip r:embed="rId3"/>
+          <a:stretch>
+            <a:fillRect/>
+          </a:stretch>
+        </p:blipFill>
+        <p:spPr>
+          <a:xfrm>
+            <a:off x="8550694" y="1626727"/>
+            <a:ext cx="2890837" cy="2495550"/>
+          </a:xfrm>
+          <a:prstGeom prst="rect">
+            <a:avLst/>
+          </a:prstGeom>
+        </p:spPr>
+      </p:pic>
+      <p:sp>
+        <p:nvSpPr>
+          <p:cNvPr id="12" name="TextBox 11">
+            <a:extLst>
+              <a:ext uri="{FF2B5EF4-FFF2-40B4-BE49-F238E27FC236}">
+                <a16:creationId xmlns:a16="http://schemas.microsoft.com/office/drawing/2014/main" id="{23DA1F72-CF51-424C-B210-E65BCFDB0ACD}"/>
+              </a:ext>
+            </a:extLst>
+          </p:cNvPr>
+          <p:cNvSpPr txBox="1"/>
+          <p:nvPr/>
+        </p:nvSpPr>
+        <p:spPr>
+          <a:xfrm>
+            <a:off x="549796" y="2594287"/>
+            <a:ext cx="7920880" cy="1200329"/>
+          </a:xfrm>
+          <a:prstGeom prst="rect">
+            <a:avLst/>
+          </a:prstGeom>
+          <a:noFill/>
+          <a:ln>
+            <a:solidFill>
+              <a:schemeClr val="bg2"/>
+            </a:solidFill>
+          </a:ln>
+        </p:spPr>
+        <p:txBody>
+          <a:bodyPr wrap="square" rtlCol="0" anchor="ctr" anchorCtr="1">
+            <a:spAutoFit/>
+          </a:bodyPr>
+          <a:lstStyle/>
+          <a:p>
+            <a:r>
+              <a:rPr lang="en-US" dirty="0"/>
+              <a:t>The points which are detected using horizontal line detection by mask will contain all points in horizontal direction.</a:t>
+            </a:r>
+          </a:p>
+          <a:p>
+            <a:r>
+              <a:rPr lang="en-US" dirty="0"/>
+              <a:t>Similarly the same scenario applies for vertical, and other two detections respectively.</a:t>
+            </a:r>
+            <a:endParaRPr lang="en-IN" dirty="0"/>
+          </a:p>
+        </p:txBody>
+      </p:sp>
+      <p:sp>
+        <p:nvSpPr>
+          <p:cNvPr id="16" name="TextBox 15">
+            <a:extLst>
+              <a:ext uri="{FF2B5EF4-FFF2-40B4-BE49-F238E27FC236}">
+                <a16:creationId xmlns:a16="http://schemas.microsoft.com/office/drawing/2014/main" id="{B074071C-10C2-4890-9E4E-61CCE4A461E4}"/>
+              </a:ext>
+            </a:extLst>
+          </p:cNvPr>
+          <p:cNvSpPr txBox="1"/>
+          <p:nvPr/>
+        </p:nvSpPr>
+        <p:spPr>
+          <a:xfrm>
+            <a:off x="549796" y="4662428"/>
+            <a:ext cx="7920880" cy="933589"/>
+          </a:xfrm>
+          <a:prstGeom prst="rect">
+            <a:avLst/>
+          </a:prstGeom>
+          <a:noFill/>
+          <a:ln>
+            <a:solidFill>
+              <a:schemeClr val="bg2"/>
+            </a:solidFill>
+          </a:ln>
+        </p:spPr>
+        <p:txBody>
+          <a:bodyPr wrap="square" rtlCol="0" anchor="ctr" anchorCtr="1">
+            <a:spAutoFit/>
+          </a:bodyPr>
+          <a:lstStyle/>
+          <a:p>
+            <a:r>
+              <a:rPr lang="en-US" dirty="0"/>
+              <a:t>Now there is condition which follows that while using masks over entire image, say </a:t>
+            </a:r>
+            <a:r>
+              <a:rPr lang="en-US" dirty="0" err="1"/>
+              <a:t>i</a:t>
+            </a:r>
+            <a:r>
+              <a:rPr lang="en-US" sz="2000" baseline="-25000" dirty="0" err="1"/>
+              <a:t>th</a:t>
+            </a:r>
+            <a:r>
+              <a:rPr lang="en-US" dirty="0"/>
+              <a:t> mask or </a:t>
+            </a:r>
+            <a:r>
+              <a:rPr lang="en-US" dirty="0" err="1"/>
+              <a:t>j</a:t>
+            </a:r>
+            <a:r>
+              <a:rPr lang="en-US" sz="2000" baseline="-25000" dirty="0" err="1"/>
+              <a:t>th</a:t>
+            </a:r>
+            <a:r>
+              <a:rPr lang="en-US" dirty="0"/>
+              <a:t> mask and if |R</a:t>
+            </a:r>
+            <a:r>
+              <a:rPr lang="en-US" sz="2800" baseline="-25000" dirty="0"/>
+              <a:t>i</a:t>
+            </a:r>
+            <a:r>
+              <a:rPr lang="en-US" dirty="0"/>
+              <a:t>|&gt;|</a:t>
+            </a:r>
+            <a:r>
+              <a:rPr lang="en-US" dirty="0" err="1"/>
+              <a:t>R</a:t>
+            </a:r>
+            <a:r>
+              <a:rPr lang="en-US" sz="2400" baseline="-25000" dirty="0" err="1"/>
+              <a:t>j</a:t>
+            </a:r>
+            <a:r>
+              <a:rPr lang="en-US" dirty="0"/>
+              <a:t>| for all </a:t>
+            </a:r>
+            <a:r>
+              <a:rPr lang="en-US" dirty="0" err="1"/>
+              <a:t>i≠j</a:t>
+            </a:r>
+            <a:endParaRPr lang="en-US" dirty="0"/>
+          </a:p>
+          <a:p>
+            <a:r>
+              <a:rPr lang="en-US" dirty="0"/>
+              <a:t>Then points detected is more likely to be contained on line in direction of mask </a:t>
+            </a:r>
+            <a:r>
+              <a:rPr lang="en-US" dirty="0" err="1"/>
+              <a:t>i</a:t>
+            </a:r>
+            <a:r>
+              <a:rPr lang="en-US" dirty="0"/>
+              <a:t>.</a:t>
+            </a:r>
+            <a:endParaRPr lang="en-IN" dirty="0"/>
+          </a:p>
+        </p:txBody>
+      </p:sp>
+      <p:sp>
+        <p:nvSpPr>
+          <p:cNvPr id="5" name="TextBox 4">
+            <a:extLst>
+              <a:ext uri="{FF2B5EF4-FFF2-40B4-BE49-F238E27FC236}">
+                <a16:creationId xmlns:a16="http://schemas.microsoft.com/office/drawing/2014/main" id="{989A7F28-02EE-469A-8AF0-B77FF1716829}"/>
+              </a:ext>
+            </a:extLst>
+          </p:cNvPr>
+          <p:cNvSpPr txBox="1"/>
+          <p:nvPr/>
+        </p:nvSpPr>
+        <p:spPr>
+          <a:xfrm>
+            <a:off x="9118748" y="999131"/>
+            <a:ext cx="2664296" cy="461665"/>
+          </a:xfrm>
+          <a:prstGeom prst="rect">
+            <a:avLst/>
+          </a:prstGeom>
+          <a:noFill/>
+          <a:ln>
+            <a:solidFill>
+              <a:schemeClr val="bg2"/>
+            </a:solidFill>
+          </a:ln>
+        </p:spPr>
+        <p:txBody>
+          <a:bodyPr wrap="square" rtlCol="0" anchor="ctr" anchorCtr="1">
+            <a:spAutoFit/>
+          </a:bodyPr>
+          <a:lstStyle/>
+          <a:p>
+            <a:pPr algn="r"/>
+            <a:r>
+              <a:rPr lang="en-US" sz="2400" b="1" u="sng" dirty="0"/>
+              <a:t>Edge Detection</a:t>
+            </a:r>
+            <a:endParaRPr lang="en-IN" sz="2400" b="1" u="sng" dirty="0"/>
+          </a:p>
+        </p:txBody>
+      </p:sp>
+      <p:sp>
+        <p:nvSpPr>
+          <p:cNvPr id="10" name="TextBox 9">
+            <a:extLst>
+              <a:ext uri="{FF2B5EF4-FFF2-40B4-BE49-F238E27FC236}">
+                <a16:creationId xmlns:a16="http://schemas.microsoft.com/office/drawing/2014/main" id="{33A5B12B-56FF-4361-8D9E-187E18547F3E}"/>
+              </a:ext>
+            </a:extLst>
+          </p:cNvPr>
+          <p:cNvSpPr txBox="1"/>
+          <p:nvPr/>
+        </p:nvSpPr>
+        <p:spPr>
+          <a:xfrm>
+            <a:off x="433774" y="1981953"/>
+            <a:ext cx="7560840" cy="369332"/>
+          </a:xfrm>
+          <a:prstGeom prst="rect">
+            <a:avLst/>
+          </a:prstGeom>
+          <a:noFill/>
+          <a:ln>
+            <a:solidFill>
+              <a:schemeClr val="bg2"/>
+            </a:solidFill>
+          </a:ln>
+        </p:spPr>
+        <p:txBody>
+          <a:bodyPr wrap="square" rtlCol="0" anchor="ctr" anchorCtr="1">
+            <a:spAutoFit/>
+          </a:bodyPr>
+          <a:lstStyle/>
+          <a:p>
+            <a:r>
+              <a:rPr lang="en-US" b="1" dirty="0"/>
+              <a:t>Edge: </a:t>
+            </a:r>
+            <a:r>
+              <a:rPr lang="en-US" dirty="0"/>
+              <a:t>It is the boundary between two regions having distinct intensity levels</a:t>
+            </a:r>
+            <a:endParaRPr lang="en-IN" b="1" dirty="0"/>
+          </a:p>
+        </p:txBody>
+      </p:sp>
+    </p:spTree>
+    <p:extLst>
+      <p:ext uri="{BB962C8B-B14F-4D97-AF65-F5344CB8AC3E}">
+        <p14:creationId xmlns:p14="http://schemas.microsoft.com/office/powerpoint/2010/main" val="1229121659"/>
+      </p:ext>
+    </p:extLst>
+  </p:cSld>
+  <p:clrMapOvr>
+    <a:masterClrMapping/>
+  </p:clrMapOvr>
+  <mc:AlternateContent xmlns:mc="http://schemas.openxmlformats.org/markup-compatibility/2006" xmlns:p14="http://schemas.microsoft.com/office/powerpoint/2010/main">
+    <mc:Choice Requires="p14">
+      <p:transition spd="med" p14:dur="700">
+        <p:fade/>
+      </p:transition>
+    </mc:Choice>
+    <mc:Fallback xmlns="">
+      <p:transition spd="med">
+        <p:fade/>
+      </p:transition>
+    </mc:Fallback>
+  </mc:AlternateContent>
+</p:sld>
+</file>
+
+<file path=ppt/slides/slide11.xml><?xml version="1.0" encoding="utf-8"?>
+<p:sld xmlns:a="http://schemas.openxmlformats.org/drawingml/2006/main" xmlns:r="http://schemas.openxmlformats.org/officeDocument/2006/relationships" xmlns:p="http://schemas.openxmlformats.org/presentationml/2006/main">
+  <p:cSld>
+    <p:spTree>
+      <p:nvGrpSpPr>
+        <p:cNvPr id="1" name=""/>
+        <p:cNvGrpSpPr/>
+        <p:nvPr/>
+      </p:nvGrpSpPr>
+      <p:grpSpPr>
+        <a:xfrm>
+          <a:off x="0" y="0"/>
+          <a:ext cx="0" cy="0"/>
+          <a:chOff x="0" y="0"/>
+          <a:chExt cx="0" cy="0"/>
+        </a:xfrm>
+      </p:grpSpPr>
+      <p:sp>
+        <p:nvSpPr>
+          <p:cNvPr id="2" name="Title 1"/>
+          <p:cNvSpPr>
+            <a:spLocks noGrp="1"/>
+          </p:cNvSpPr>
+          <p:nvPr>
+            <p:ph type="title"/>
+          </p:nvPr>
+        </p:nvSpPr>
+        <p:spPr/>
+        <p:txBody>
+          <a:bodyPr/>
+          <a:lstStyle/>
+          <a:p>
+            <a:r>
+              <a:rPr lang="en-US"/>
+              <a:t>Contact Information</a:t>
+            </a:r>
+            <a:endParaRPr lang="en-US" dirty="0"/>
+          </a:p>
+        </p:txBody>
+      </p:sp>
+    </p:spTree>
+    <p:extLst>
+      <p:ext uri="{BB962C8B-B14F-4D97-AF65-F5344CB8AC3E}">
+        <p14:creationId xmlns:p14="http://schemas.microsoft.com/office/powerpoint/2010/main" val="4209097022"/>
+      </p:ext>
+    </p:extLst>
+  </p:cSld>
+  <p:clrMapOvr>
+    <a:masterClrMapping/>
+  </p:clrMapOvr>
+  <mc:AlternateContent xmlns:mc="http://schemas.openxmlformats.org/markup-compatibility/2006" xmlns:p14="http://schemas.microsoft.com/office/powerpoint/2010/main">
+    <mc:Choice Requires="p14">
+      <p:transition spd="med" p14:dur="700">
+        <p:fade/>
+      </p:transition>
+    </mc:Choice>
+    <mc:Fallback xmlns="">
+      <p:transition spd="med">
+        <p:fade/>
+      </p:transition>
+    </mc:Fallback>
+  </mc:AlternateContent>
+</p:sld>
+</file>
+
 <file path=ppt/slides/slide2.xml><?xml version="1.0" encoding="utf-8"?>
 <p:sld xmlns:a="http://schemas.openxmlformats.org/drawingml/2006/main" xmlns:r="http://schemas.openxmlformats.org/officeDocument/2006/relationships" xmlns:p="http://schemas.openxmlformats.org/presentationml/2006/main">
   <p:cSld>
@@ -5086,6 +5847,254 @@
       </p:transition>
     </mc:Fallback>
   </mc:AlternateContent>
+  <p:timing>
+    <p:tnLst>
+      <p:par>
+        <p:cTn id="1" dur="indefinite" restart="never" nodeType="tmRoot">
+          <p:childTnLst>
+            <p:seq concurrent="1" nextAc="seek">
+              <p:cTn id="2" dur="indefinite" nodeType="mainSeq">
+                <p:childTnLst>
+                  <p:par>
+                    <p:cTn id="3" fill="hold">
+                      <p:stCondLst>
+                        <p:cond delay="indefinite"/>
+                      </p:stCondLst>
+                      <p:childTnLst>
+                        <p:par>
+                          <p:cTn id="4" fill="hold">
+                            <p:stCondLst>
+                              <p:cond delay="0"/>
+                            </p:stCondLst>
+                            <p:childTnLst>
+                              <p:par>
+                                <p:cTn id="5" presetID="1" presetClass="entr" presetSubtype="0" fill="hold" grpId="0" nodeType="clickEffect">
+                                  <p:stCondLst>
+                                    <p:cond delay="0"/>
+                                  </p:stCondLst>
+                                  <p:childTnLst>
+                                    <p:set>
+                                      <p:cBhvr>
+                                        <p:cTn id="6" dur="1" fill="hold">
+                                          <p:stCondLst>
+                                            <p:cond delay="0"/>
+                                          </p:stCondLst>
+                                        </p:cTn>
+                                        <p:tgtEl>
+                                          <p:spTgt spid="2"/>
+                                        </p:tgtEl>
+                                        <p:attrNameLst>
+                                          <p:attrName>style.visibility</p:attrName>
+                                        </p:attrNameLst>
+                                      </p:cBhvr>
+                                      <p:to>
+                                        <p:strVal val="visible"/>
+                                      </p:to>
+                                    </p:set>
+                                  </p:childTnLst>
+                                </p:cTn>
+                              </p:par>
+                            </p:childTnLst>
+                          </p:cTn>
+                        </p:par>
+                      </p:childTnLst>
+                    </p:cTn>
+                  </p:par>
+                  <p:par>
+                    <p:cTn id="7" fill="hold">
+                      <p:stCondLst>
+                        <p:cond delay="indefinite"/>
+                      </p:stCondLst>
+                      <p:childTnLst>
+                        <p:par>
+                          <p:cTn id="8" fill="hold">
+                            <p:stCondLst>
+                              <p:cond delay="0"/>
+                            </p:stCondLst>
+                            <p:childTnLst>
+                              <p:par>
+                                <p:cTn id="9" presetID="16" presetClass="entr" presetSubtype="21" fill="hold" grpId="0" nodeType="clickEffect">
+                                  <p:stCondLst>
+                                    <p:cond delay="0"/>
+                                  </p:stCondLst>
+                                  <p:childTnLst>
+                                    <p:set>
+                                      <p:cBhvr>
+                                        <p:cTn id="10" dur="1" fill="hold">
+                                          <p:stCondLst>
+                                            <p:cond delay="0"/>
+                                          </p:stCondLst>
+                                        </p:cTn>
+                                        <p:tgtEl>
+                                          <p:spTgt spid="3">
+                                            <p:txEl>
+                                              <p:pRg st="0" end="0"/>
+                                            </p:txEl>
+                                          </p:spTgt>
+                                        </p:tgtEl>
+                                        <p:attrNameLst>
+                                          <p:attrName>style.visibility</p:attrName>
+                                        </p:attrNameLst>
+                                      </p:cBhvr>
+                                      <p:to>
+                                        <p:strVal val="visible"/>
+                                      </p:to>
+                                    </p:set>
+                                    <p:animEffect transition="in" filter="barn(inVertical)">
+                                      <p:cBhvr>
+                                        <p:cTn id="11" dur="500"/>
+                                        <p:tgtEl>
+                                          <p:spTgt spid="3">
+                                            <p:txEl>
+                                              <p:pRg st="0" end="0"/>
+                                            </p:txEl>
+                                          </p:spTgt>
+                                        </p:tgtEl>
+                                      </p:cBhvr>
+                                    </p:animEffect>
+                                  </p:childTnLst>
+                                </p:cTn>
+                              </p:par>
+                            </p:childTnLst>
+                          </p:cTn>
+                        </p:par>
+                      </p:childTnLst>
+                    </p:cTn>
+                  </p:par>
+                  <p:par>
+                    <p:cTn id="12" fill="hold">
+                      <p:stCondLst>
+                        <p:cond delay="indefinite"/>
+                      </p:stCondLst>
+                      <p:childTnLst>
+                        <p:par>
+                          <p:cTn id="13" fill="hold">
+                            <p:stCondLst>
+                              <p:cond delay="0"/>
+                            </p:stCondLst>
+                            <p:childTnLst>
+                              <p:par>
+                                <p:cTn id="14" presetID="22" presetClass="entr" presetSubtype="4" fill="hold" grpId="0" nodeType="clickEffect">
+                                  <p:stCondLst>
+                                    <p:cond delay="0"/>
+                                  </p:stCondLst>
+                                  <p:childTnLst>
+                                    <p:set>
+                                      <p:cBhvr>
+                                        <p:cTn id="15" dur="1" fill="hold">
+                                          <p:stCondLst>
+                                            <p:cond delay="0"/>
+                                          </p:stCondLst>
+                                        </p:cTn>
+                                        <p:tgtEl>
+                                          <p:spTgt spid="4"/>
+                                        </p:tgtEl>
+                                        <p:attrNameLst>
+                                          <p:attrName>style.visibility</p:attrName>
+                                        </p:attrNameLst>
+                                      </p:cBhvr>
+                                      <p:to>
+                                        <p:strVal val="visible"/>
+                                      </p:to>
+                                    </p:set>
+                                    <p:animEffect transition="in" filter="wipe(down)">
+                                      <p:cBhvr>
+                                        <p:cTn id="16" dur="500"/>
+                                        <p:tgtEl>
+                                          <p:spTgt spid="4"/>
+                                        </p:tgtEl>
+                                      </p:cBhvr>
+                                    </p:animEffect>
+                                  </p:childTnLst>
+                                </p:cTn>
+                              </p:par>
+                            </p:childTnLst>
+                          </p:cTn>
+                        </p:par>
+                      </p:childTnLst>
+                    </p:cTn>
+                  </p:par>
+                  <p:par>
+                    <p:cTn id="17" fill="hold">
+                      <p:stCondLst>
+                        <p:cond delay="indefinite"/>
+                      </p:stCondLst>
+                      <p:childTnLst>
+                        <p:par>
+                          <p:cTn id="18" fill="hold">
+                            <p:stCondLst>
+                              <p:cond delay="0"/>
+                            </p:stCondLst>
+                            <p:childTnLst>
+                              <p:par>
+                                <p:cTn id="19" presetID="22" presetClass="entr" presetSubtype="4" fill="hold" grpId="0" nodeType="clickEffect">
+                                  <p:stCondLst>
+                                    <p:cond delay="0"/>
+                                  </p:stCondLst>
+                                  <p:childTnLst>
+                                    <p:set>
+                                      <p:cBhvr>
+                                        <p:cTn id="20" dur="1" fill="hold">
+                                          <p:stCondLst>
+                                            <p:cond delay="0"/>
+                                          </p:stCondLst>
+                                        </p:cTn>
+                                        <p:tgtEl>
+                                          <p:spTgt spid="5"/>
+                                        </p:tgtEl>
+                                        <p:attrNameLst>
+                                          <p:attrName>style.visibility</p:attrName>
+                                        </p:attrNameLst>
+                                      </p:cBhvr>
+                                      <p:to>
+                                        <p:strVal val="visible"/>
+                                      </p:to>
+                                    </p:set>
+                                    <p:animEffect transition="in" filter="wipe(down)">
+                                      <p:cBhvr>
+                                        <p:cTn id="21" dur="500"/>
+                                        <p:tgtEl>
+                                          <p:spTgt spid="5"/>
+                                        </p:tgtEl>
+                                      </p:cBhvr>
+                                    </p:animEffect>
+                                  </p:childTnLst>
+                                </p:cTn>
+                              </p:par>
+                            </p:childTnLst>
+                          </p:cTn>
+                        </p:par>
+                      </p:childTnLst>
+                    </p:cTn>
+                  </p:par>
+                </p:childTnLst>
+              </p:cTn>
+              <p:prevCondLst>
+                <p:cond evt="onPrev" delay="0">
+                  <p:tgtEl>
+                    <p:sldTgt/>
+                  </p:tgtEl>
+                </p:cond>
+              </p:prevCondLst>
+              <p:nextCondLst>
+                <p:cond evt="onNext" delay="0">
+                  <p:tgtEl>
+                    <p:sldTgt/>
+                  </p:tgtEl>
+                </p:cond>
+              </p:nextCondLst>
+            </p:seq>
+          </p:childTnLst>
+        </p:cTn>
+      </p:par>
+    </p:tnLst>
+    <p:bldLst>
+      <p:bldP spid="2" grpId="0"/>
+      <p:bldP spid="3" grpId="0" build="p"/>
+      <p:bldP spid="4" grpId="0"/>
+      <p:bldP spid="5" grpId="0"/>
+    </p:bldLst>
+  </p:timing>
 </p:sld>
 </file>
 
@@ -5218,26 +6227,6 @@
             <a:r>
               <a:rPr lang="en-US" dirty="0"/>
               <a:t>Linking of Edge Points</a:t>
-            </a:r>
-          </a:p>
-          <a:p>
-            <a:pPr lvl="1">
-              <a:buFont typeface="Wingdings" panose="05000000000000000000" pitchFamily="2" charset="2"/>
-              <a:buChar char="Ø"/>
-            </a:pPr>
-            <a:r>
-              <a:rPr lang="en-US" sz="1600" dirty="0"/>
-              <a:t>Local Processing</a:t>
-            </a:r>
-          </a:p>
-          <a:p>
-            <a:pPr lvl="1">
-              <a:buFont typeface="Wingdings" panose="05000000000000000000" pitchFamily="2" charset="2"/>
-              <a:buChar char="Ø"/>
-            </a:pPr>
-            <a:r>
-              <a:rPr lang="en-US" sz="1600" dirty="0"/>
-              <a:t>Global Processing</a:t>
             </a:r>
           </a:p>
         </p:txBody>
@@ -5264,6 +6253,675 @@
       </p:transition>
     </mc:Fallback>
   </mc:AlternateContent>
+  <p:timing>
+    <p:tnLst>
+      <p:par>
+        <p:cTn id="1" dur="indefinite" restart="never" nodeType="tmRoot">
+          <p:childTnLst>
+            <p:seq concurrent="1" nextAc="seek">
+              <p:cTn id="2" dur="indefinite" nodeType="mainSeq">
+                <p:childTnLst>
+                  <p:par>
+                    <p:cTn id="3" fill="hold">
+                      <p:stCondLst>
+                        <p:cond delay="indefinite"/>
+                      </p:stCondLst>
+                      <p:childTnLst>
+                        <p:par>
+                          <p:cTn id="4" fill="hold">
+                            <p:stCondLst>
+                              <p:cond delay="0"/>
+                            </p:stCondLst>
+                            <p:childTnLst>
+                              <p:par>
+                                <p:cTn id="5" presetID="22" presetClass="entr" presetSubtype="4" fill="hold" grpId="0" nodeType="clickEffect">
+                                  <p:stCondLst>
+                                    <p:cond delay="0"/>
+                                  </p:stCondLst>
+                                  <p:childTnLst>
+                                    <p:set>
+                                      <p:cBhvr>
+                                        <p:cTn id="6" dur="1" fill="hold">
+                                          <p:stCondLst>
+                                            <p:cond delay="0"/>
+                                          </p:stCondLst>
+                                        </p:cTn>
+                                        <p:tgtEl>
+                                          <p:spTgt spid="2"/>
+                                        </p:tgtEl>
+                                        <p:attrNameLst>
+                                          <p:attrName>style.visibility</p:attrName>
+                                        </p:attrNameLst>
+                                      </p:cBhvr>
+                                      <p:to>
+                                        <p:strVal val="visible"/>
+                                      </p:to>
+                                    </p:set>
+                                    <p:animEffect transition="in" filter="wipe(down)">
+                                      <p:cBhvr>
+                                        <p:cTn id="7" dur="500"/>
+                                        <p:tgtEl>
+                                          <p:spTgt spid="2"/>
+                                        </p:tgtEl>
+                                      </p:cBhvr>
+                                    </p:animEffect>
+                                  </p:childTnLst>
+                                </p:cTn>
+                              </p:par>
+                            </p:childTnLst>
+                          </p:cTn>
+                        </p:par>
+                      </p:childTnLst>
+                    </p:cTn>
+                  </p:par>
+                  <p:par>
+                    <p:cTn id="8" fill="hold">
+                      <p:stCondLst>
+                        <p:cond delay="indefinite"/>
+                      </p:stCondLst>
+                      <p:childTnLst>
+                        <p:par>
+                          <p:cTn id="9" fill="hold">
+                            <p:stCondLst>
+                              <p:cond delay="0"/>
+                            </p:stCondLst>
+                            <p:childTnLst>
+                              <p:par>
+                                <p:cTn id="10" presetID="2" presetClass="entr" presetSubtype="4" fill="hold" grpId="0" nodeType="clickEffect">
+                                  <p:stCondLst>
+                                    <p:cond delay="0"/>
+                                  </p:stCondLst>
+                                  <p:childTnLst>
+                                    <p:set>
+                                      <p:cBhvr>
+                                        <p:cTn id="11" dur="1" fill="hold">
+                                          <p:stCondLst>
+                                            <p:cond delay="0"/>
+                                          </p:stCondLst>
+                                        </p:cTn>
+                                        <p:tgtEl>
+                                          <p:spTgt spid="3">
+                                            <p:txEl>
+                                              <p:pRg st="0" end="0"/>
+                                            </p:txEl>
+                                          </p:spTgt>
+                                        </p:tgtEl>
+                                        <p:attrNameLst>
+                                          <p:attrName>style.visibility</p:attrName>
+                                        </p:attrNameLst>
+                                      </p:cBhvr>
+                                      <p:to>
+                                        <p:strVal val="visible"/>
+                                      </p:to>
+                                    </p:set>
+                                    <p:anim calcmode="lin" valueType="num">
+                                      <p:cBhvr additive="base">
+                                        <p:cTn id="12" dur="500" fill="hold"/>
+                                        <p:tgtEl>
+                                          <p:spTgt spid="3">
+                                            <p:txEl>
+                                              <p:pRg st="0" end="0"/>
+                                            </p:txEl>
+                                          </p:spTgt>
+                                        </p:tgtEl>
+                                        <p:attrNameLst>
+                                          <p:attrName>ppt_x</p:attrName>
+                                        </p:attrNameLst>
+                                      </p:cBhvr>
+                                      <p:tavLst>
+                                        <p:tav tm="0">
+                                          <p:val>
+                                            <p:strVal val="#ppt_x"/>
+                                          </p:val>
+                                        </p:tav>
+                                        <p:tav tm="100000">
+                                          <p:val>
+                                            <p:strVal val="#ppt_x"/>
+                                          </p:val>
+                                        </p:tav>
+                                      </p:tavLst>
+                                    </p:anim>
+                                    <p:anim calcmode="lin" valueType="num">
+                                      <p:cBhvr additive="base">
+                                        <p:cTn id="13" dur="500" fill="hold"/>
+                                        <p:tgtEl>
+                                          <p:spTgt spid="3">
+                                            <p:txEl>
+                                              <p:pRg st="0" end="0"/>
+                                            </p:txEl>
+                                          </p:spTgt>
+                                        </p:tgtEl>
+                                        <p:attrNameLst>
+                                          <p:attrName>ppt_y</p:attrName>
+                                        </p:attrNameLst>
+                                      </p:cBhvr>
+                                      <p:tavLst>
+                                        <p:tav tm="0">
+                                          <p:val>
+                                            <p:strVal val="1+#ppt_h/2"/>
+                                          </p:val>
+                                        </p:tav>
+                                        <p:tav tm="100000">
+                                          <p:val>
+                                            <p:strVal val="#ppt_y"/>
+                                          </p:val>
+                                        </p:tav>
+                                      </p:tavLst>
+                                    </p:anim>
+                                  </p:childTnLst>
+                                </p:cTn>
+                              </p:par>
+                            </p:childTnLst>
+                          </p:cTn>
+                        </p:par>
+                      </p:childTnLst>
+                    </p:cTn>
+                  </p:par>
+                  <p:par>
+                    <p:cTn id="14" fill="hold">
+                      <p:stCondLst>
+                        <p:cond delay="indefinite"/>
+                      </p:stCondLst>
+                      <p:childTnLst>
+                        <p:par>
+                          <p:cTn id="15" fill="hold">
+                            <p:stCondLst>
+                              <p:cond delay="0"/>
+                            </p:stCondLst>
+                            <p:childTnLst>
+                              <p:par>
+                                <p:cTn id="16" presetID="2" presetClass="entr" presetSubtype="4" fill="hold" grpId="0" nodeType="clickEffect">
+                                  <p:stCondLst>
+                                    <p:cond delay="0"/>
+                                  </p:stCondLst>
+                                  <p:childTnLst>
+                                    <p:set>
+                                      <p:cBhvr>
+                                        <p:cTn id="17" dur="1" fill="hold">
+                                          <p:stCondLst>
+                                            <p:cond delay="0"/>
+                                          </p:stCondLst>
+                                        </p:cTn>
+                                        <p:tgtEl>
+                                          <p:spTgt spid="3">
+                                            <p:txEl>
+                                              <p:pRg st="1" end="1"/>
+                                            </p:txEl>
+                                          </p:spTgt>
+                                        </p:tgtEl>
+                                        <p:attrNameLst>
+                                          <p:attrName>style.visibility</p:attrName>
+                                        </p:attrNameLst>
+                                      </p:cBhvr>
+                                      <p:to>
+                                        <p:strVal val="visible"/>
+                                      </p:to>
+                                    </p:set>
+                                    <p:anim calcmode="lin" valueType="num">
+                                      <p:cBhvr additive="base">
+                                        <p:cTn id="18" dur="500" fill="hold"/>
+                                        <p:tgtEl>
+                                          <p:spTgt spid="3">
+                                            <p:txEl>
+                                              <p:pRg st="1" end="1"/>
+                                            </p:txEl>
+                                          </p:spTgt>
+                                        </p:tgtEl>
+                                        <p:attrNameLst>
+                                          <p:attrName>ppt_x</p:attrName>
+                                        </p:attrNameLst>
+                                      </p:cBhvr>
+                                      <p:tavLst>
+                                        <p:tav tm="0">
+                                          <p:val>
+                                            <p:strVal val="#ppt_x"/>
+                                          </p:val>
+                                        </p:tav>
+                                        <p:tav tm="100000">
+                                          <p:val>
+                                            <p:strVal val="#ppt_x"/>
+                                          </p:val>
+                                        </p:tav>
+                                      </p:tavLst>
+                                    </p:anim>
+                                    <p:anim calcmode="lin" valueType="num">
+                                      <p:cBhvr additive="base">
+                                        <p:cTn id="19" dur="500" fill="hold"/>
+                                        <p:tgtEl>
+                                          <p:spTgt spid="3">
+                                            <p:txEl>
+                                              <p:pRg st="1" end="1"/>
+                                            </p:txEl>
+                                          </p:spTgt>
+                                        </p:tgtEl>
+                                        <p:attrNameLst>
+                                          <p:attrName>ppt_y</p:attrName>
+                                        </p:attrNameLst>
+                                      </p:cBhvr>
+                                      <p:tavLst>
+                                        <p:tav tm="0">
+                                          <p:val>
+                                            <p:strVal val="1+#ppt_h/2"/>
+                                          </p:val>
+                                        </p:tav>
+                                        <p:tav tm="100000">
+                                          <p:val>
+                                            <p:strVal val="#ppt_y"/>
+                                          </p:val>
+                                        </p:tav>
+                                      </p:tavLst>
+                                    </p:anim>
+                                  </p:childTnLst>
+                                </p:cTn>
+                              </p:par>
+                              <p:par>
+                                <p:cTn id="20" presetID="2" presetClass="entr" presetSubtype="4" fill="hold" grpId="0" nodeType="withEffect">
+                                  <p:stCondLst>
+                                    <p:cond delay="0"/>
+                                  </p:stCondLst>
+                                  <p:childTnLst>
+                                    <p:set>
+                                      <p:cBhvr>
+                                        <p:cTn id="21" dur="1" fill="hold">
+                                          <p:stCondLst>
+                                            <p:cond delay="0"/>
+                                          </p:stCondLst>
+                                        </p:cTn>
+                                        <p:tgtEl>
+                                          <p:spTgt spid="3">
+                                            <p:txEl>
+                                              <p:pRg st="2" end="2"/>
+                                            </p:txEl>
+                                          </p:spTgt>
+                                        </p:tgtEl>
+                                        <p:attrNameLst>
+                                          <p:attrName>style.visibility</p:attrName>
+                                        </p:attrNameLst>
+                                      </p:cBhvr>
+                                      <p:to>
+                                        <p:strVal val="visible"/>
+                                      </p:to>
+                                    </p:set>
+                                    <p:anim calcmode="lin" valueType="num">
+                                      <p:cBhvr additive="base">
+                                        <p:cTn id="22" dur="500" fill="hold"/>
+                                        <p:tgtEl>
+                                          <p:spTgt spid="3">
+                                            <p:txEl>
+                                              <p:pRg st="2" end="2"/>
+                                            </p:txEl>
+                                          </p:spTgt>
+                                        </p:tgtEl>
+                                        <p:attrNameLst>
+                                          <p:attrName>ppt_x</p:attrName>
+                                        </p:attrNameLst>
+                                      </p:cBhvr>
+                                      <p:tavLst>
+                                        <p:tav tm="0">
+                                          <p:val>
+                                            <p:strVal val="#ppt_x"/>
+                                          </p:val>
+                                        </p:tav>
+                                        <p:tav tm="100000">
+                                          <p:val>
+                                            <p:strVal val="#ppt_x"/>
+                                          </p:val>
+                                        </p:tav>
+                                      </p:tavLst>
+                                    </p:anim>
+                                    <p:anim calcmode="lin" valueType="num">
+                                      <p:cBhvr additive="base">
+                                        <p:cTn id="23" dur="500" fill="hold"/>
+                                        <p:tgtEl>
+                                          <p:spTgt spid="3">
+                                            <p:txEl>
+                                              <p:pRg st="2" end="2"/>
+                                            </p:txEl>
+                                          </p:spTgt>
+                                        </p:tgtEl>
+                                        <p:attrNameLst>
+                                          <p:attrName>ppt_y</p:attrName>
+                                        </p:attrNameLst>
+                                      </p:cBhvr>
+                                      <p:tavLst>
+                                        <p:tav tm="0">
+                                          <p:val>
+                                            <p:strVal val="1+#ppt_h/2"/>
+                                          </p:val>
+                                        </p:tav>
+                                        <p:tav tm="100000">
+                                          <p:val>
+                                            <p:strVal val="#ppt_y"/>
+                                          </p:val>
+                                        </p:tav>
+                                      </p:tavLst>
+                                    </p:anim>
+                                  </p:childTnLst>
+                                </p:cTn>
+                              </p:par>
+                              <p:par>
+                                <p:cTn id="24" presetID="2" presetClass="entr" presetSubtype="4" fill="hold" grpId="0" nodeType="withEffect">
+                                  <p:stCondLst>
+                                    <p:cond delay="0"/>
+                                  </p:stCondLst>
+                                  <p:childTnLst>
+                                    <p:set>
+                                      <p:cBhvr>
+                                        <p:cTn id="25" dur="1" fill="hold">
+                                          <p:stCondLst>
+                                            <p:cond delay="0"/>
+                                          </p:stCondLst>
+                                        </p:cTn>
+                                        <p:tgtEl>
+                                          <p:spTgt spid="3">
+                                            <p:txEl>
+                                              <p:pRg st="3" end="3"/>
+                                            </p:txEl>
+                                          </p:spTgt>
+                                        </p:tgtEl>
+                                        <p:attrNameLst>
+                                          <p:attrName>style.visibility</p:attrName>
+                                        </p:attrNameLst>
+                                      </p:cBhvr>
+                                      <p:to>
+                                        <p:strVal val="visible"/>
+                                      </p:to>
+                                    </p:set>
+                                    <p:anim calcmode="lin" valueType="num">
+                                      <p:cBhvr additive="base">
+                                        <p:cTn id="26" dur="500" fill="hold"/>
+                                        <p:tgtEl>
+                                          <p:spTgt spid="3">
+                                            <p:txEl>
+                                              <p:pRg st="3" end="3"/>
+                                            </p:txEl>
+                                          </p:spTgt>
+                                        </p:tgtEl>
+                                        <p:attrNameLst>
+                                          <p:attrName>ppt_x</p:attrName>
+                                        </p:attrNameLst>
+                                      </p:cBhvr>
+                                      <p:tavLst>
+                                        <p:tav tm="0">
+                                          <p:val>
+                                            <p:strVal val="#ppt_x"/>
+                                          </p:val>
+                                        </p:tav>
+                                        <p:tav tm="100000">
+                                          <p:val>
+                                            <p:strVal val="#ppt_x"/>
+                                          </p:val>
+                                        </p:tav>
+                                      </p:tavLst>
+                                    </p:anim>
+                                    <p:anim calcmode="lin" valueType="num">
+                                      <p:cBhvr additive="base">
+                                        <p:cTn id="27" dur="500" fill="hold"/>
+                                        <p:tgtEl>
+                                          <p:spTgt spid="3">
+                                            <p:txEl>
+                                              <p:pRg st="3" end="3"/>
+                                            </p:txEl>
+                                          </p:spTgt>
+                                        </p:tgtEl>
+                                        <p:attrNameLst>
+                                          <p:attrName>ppt_y</p:attrName>
+                                        </p:attrNameLst>
+                                      </p:cBhvr>
+                                      <p:tavLst>
+                                        <p:tav tm="0">
+                                          <p:val>
+                                            <p:strVal val="1+#ppt_h/2"/>
+                                          </p:val>
+                                        </p:tav>
+                                        <p:tav tm="100000">
+                                          <p:val>
+                                            <p:strVal val="#ppt_y"/>
+                                          </p:val>
+                                        </p:tav>
+                                      </p:tavLst>
+                                    </p:anim>
+                                  </p:childTnLst>
+                                </p:cTn>
+                              </p:par>
+                            </p:childTnLst>
+                          </p:cTn>
+                        </p:par>
+                      </p:childTnLst>
+                    </p:cTn>
+                  </p:par>
+                  <p:par>
+                    <p:cTn id="28" fill="hold">
+                      <p:stCondLst>
+                        <p:cond delay="indefinite"/>
+                      </p:stCondLst>
+                      <p:childTnLst>
+                        <p:par>
+                          <p:cTn id="29" fill="hold">
+                            <p:stCondLst>
+                              <p:cond delay="0"/>
+                            </p:stCondLst>
+                            <p:childTnLst>
+                              <p:par>
+                                <p:cTn id="30" presetID="2" presetClass="entr" presetSubtype="4" fill="hold" grpId="0" nodeType="clickEffect">
+                                  <p:stCondLst>
+                                    <p:cond delay="0"/>
+                                  </p:stCondLst>
+                                  <p:childTnLst>
+                                    <p:set>
+                                      <p:cBhvr>
+                                        <p:cTn id="31" dur="1" fill="hold">
+                                          <p:stCondLst>
+                                            <p:cond delay="0"/>
+                                          </p:stCondLst>
+                                        </p:cTn>
+                                        <p:tgtEl>
+                                          <p:spTgt spid="3">
+                                            <p:txEl>
+                                              <p:pRg st="4" end="4"/>
+                                            </p:txEl>
+                                          </p:spTgt>
+                                        </p:tgtEl>
+                                        <p:attrNameLst>
+                                          <p:attrName>style.visibility</p:attrName>
+                                        </p:attrNameLst>
+                                      </p:cBhvr>
+                                      <p:to>
+                                        <p:strVal val="visible"/>
+                                      </p:to>
+                                    </p:set>
+                                    <p:anim calcmode="lin" valueType="num">
+                                      <p:cBhvr additive="base">
+                                        <p:cTn id="32" dur="500" fill="hold"/>
+                                        <p:tgtEl>
+                                          <p:spTgt spid="3">
+                                            <p:txEl>
+                                              <p:pRg st="4" end="4"/>
+                                            </p:txEl>
+                                          </p:spTgt>
+                                        </p:tgtEl>
+                                        <p:attrNameLst>
+                                          <p:attrName>ppt_x</p:attrName>
+                                        </p:attrNameLst>
+                                      </p:cBhvr>
+                                      <p:tavLst>
+                                        <p:tav tm="0">
+                                          <p:val>
+                                            <p:strVal val="#ppt_x"/>
+                                          </p:val>
+                                        </p:tav>
+                                        <p:tav tm="100000">
+                                          <p:val>
+                                            <p:strVal val="#ppt_x"/>
+                                          </p:val>
+                                        </p:tav>
+                                      </p:tavLst>
+                                    </p:anim>
+                                    <p:anim calcmode="lin" valueType="num">
+                                      <p:cBhvr additive="base">
+                                        <p:cTn id="33" dur="500" fill="hold"/>
+                                        <p:tgtEl>
+                                          <p:spTgt spid="3">
+                                            <p:txEl>
+                                              <p:pRg st="4" end="4"/>
+                                            </p:txEl>
+                                          </p:spTgt>
+                                        </p:tgtEl>
+                                        <p:attrNameLst>
+                                          <p:attrName>ppt_y</p:attrName>
+                                        </p:attrNameLst>
+                                      </p:cBhvr>
+                                      <p:tavLst>
+                                        <p:tav tm="0">
+                                          <p:val>
+                                            <p:strVal val="1+#ppt_h/2"/>
+                                          </p:val>
+                                        </p:tav>
+                                        <p:tav tm="100000">
+                                          <p:val>
+                                            <p:strVal val="#ppt_y"/>
+                                          </p:val>
+                                        </p:tav>
+                                      </p:tavLst>
+                                    </p:anim>
+                                  </p:childTnLst>
+                                </p:cTn>
+                              </p:par>
+                            </p:childTnLst>
+                          </p:cTn>
+                        </p:par>
+                      </p:childTnLst>
+                    </p:cTn>
+                  </p:par>
+                  <p:par>
+                    <p:cTn id="34" fill="hold">
+                      <p:stCondLst>
+                        <p:cond delay="indefinite"/>
+                      </p:stCondLst>
+                      <p:childTnLst>
+                        <p:par>
+                          <p:cTn id="35" fill="hold">
+                            <p:stCondLst>
+                              <p:cond delay="0"/>
+                            </p:stCondLst>
+                            <p:childTnLst>
+                              <p:par>
+                                <p:cTn id="36" presetID="2" presetClass="entr" presetSubtype="4" fill="hold" grpId="0" nodeType="clickEffect">
+                                  <p:stCondLst>
+                                    <p:cond delay="0"/>
+                                  </p:stCondLst>
+                                  <p:childTnLst>
+                                    <p:set>
+                                      <p:cBhvr>
+                                        <p:cTn id="37" dur="1" fill="hold">
+                                          <p:stCondLst>
+                                            <p:cond delay="0"/>
+                                          </p:stCondLst>
+                                        </p:cTn>
+                                        <p:tgtEl>
+                                          <p:spTgt spid="3">
+                                            <p:txEl>
+                                              <p:pRg st="5" end="5"/>
+                                            </p:txEl>
+                                          </p:spTgt>
+                                        </p:tgtEl>
+                                        <p:attrNameLst>
+                                          <p:attrName>style.visibility</p:attrName>
+                                        </p:attrNameLst>
+                                      </p:cBhvr>
+                                      <p:to>
+                                        <p:strVal val="visible"/>
+                                      </p:to>
+                                    </p:set>
+                                    <p:anim calcmode="lin" valueType="num">
+                                      <p:cBhvr additive="base">
+                                        <p:cTn id="38" dur="500" fill="hold"/>
+                                        <p:tgtEl>
+                                          <p:spTgt spid="3">
+                                            <p:txEl>
+                                              <p:pRg st="5" end="5"/>
+                                            </p:txEl>
+                                          </p:spTgt>
+                                        </p:tgtEl>
+                                        <p:attrNameLst>
+                                          <p:attrName>ppt_x</p:attrName>
+                                        </p:attrNameLst>
+                                      </p:cBhvr>
+                                      <p:tavLst>
+                                        <p:tav tm="0">
+                                          <p:val>
+                                            <p:strVal val="#ppt_x"/>
+                                          </p:val>
+                                        </p:tav>
+                                        <p:tav tm="100000">
+                                          <p:val>
+                                            <p:strVal val="#ppt_x"/>
+                                          </p:val>
+                                        </p:tav>
+                                      </p:tavLst>
+                                    </p:anim>
+                                    <p:anim calcmode="lin" valueType="num">
+                                      <p:cBhvr additive="base">
+                                        <p:cTn id="39" dur="500" fill="hold"/>
+                                        <p:tgtEl>
+                                          <p:spTgt spid="3">
+                                            <p:txEl>
+                                              <p:pRg st="5" end="5"/>
+                                            </p:txEl>
+                                          </p:spTgt>
+                                        </p:tgtEl>
+                                        <p:attrNameLst>
+                                          <p:attrName>ppt_y</p:attrName>
+                                        </p:attrNameLst>
+                                      </p:cBhvr>
+                                      <p:tavLst>
+                                        <p:tav tm="0">
+                                          <p:val>
+                                            <p:strVal val="1+#ppt_h/2"/>
+                                          </p:val>
+                                        </p:tav>
+                                        <p:tav tm="100000">
+                                          <p:val>
+                                            <p:strVal val="#ppt_y"/>
+                                          </p:val>
+                                        </p:tav>
+                                      </p:tavLst>
+                                    </p:anim>
+                                  </p:childTnLst>
+                                </p:cTn>
+                              </p:par>
+                            </p:childTnLst>
+                          </p:cTn>
+                        </p:par>
+                      </p:childTnLst>
+                    </p:cTn>
+                  </p:par>
+                </p:childTnLst>
+              </p:cTn>
+              <p:prevCondLst>
+                <p:cond evt="onPrev" delay="0">
+                  <p:tgtEl>
+                    <p:sldTgt/>
+                  </p:tgtEl>
+                </p:cond>
+              </p:prevCondLst>
+              <p:nextCondLst>
+                <p:cond evt="onNext" delay="0">
+                  <p:tgtEl>
+                    <p:sldTgt/>
+                  </p:tgtEl>
+                </p:cond>
+              </p:nextCondLst>
+            </p:seq>
+          </p:childTnLst>
+        </p:cTn>
+      </p:par>
+    </p:tnLst>
+    <p:bldLst>
+      <p:bldP spid="2" grpId="0"/>
+      <p:bldP spid="3" grpId="0" build="p"/>
+    </p:bldLst>
+  </p:timing>
 </p:sld>
 </file>
 
@@ -5864,6 +7522,315 @@
       </p:transition>
     </mc:Fallback>
   </mc:AlternateContent>
+  <p:timing>
+    <p:tnLst>
+      <p:par>
+        <p:cTn id="1" dur="indefinite" restart="never" nodeType="tmRoot">
+          <p:childTnLst>
+            <p:seq concurrent="1" nextAc="seek">
+              <p:cTn id="2" dur="indefinite" nodeType="mainSeq">
+                <p:childTnLst>
+                  <p:par>
+                    <p:cTn id="3" fill="hold">
+                      <p:stCondLst>
+                        <p:cond delay="indefinite"/>
+                      </p:stCondLst>
+                      <p:childTnLst>
+                        <p:par>
+                          <p:cTn id="4" fill="hold">
+                            <p:stCondLst>
+                              <p:cond delay="0"/>
+                            </p:stCondLst>
+                            <p:childTnLst>
+                              <p:par>
+                                <p:cTn id="5" presetID="14" presetClass="entr" presetSubtype="10" fill="hold" grpId="0" nodeType="clickEffect">
+                                  <p:stCondLst>
+                                    <p:cond delay="0"/>
+                                  </p:stCondLst>
+                                  <p:childTnLst>
+                                    <p:set>
+                                      <p:cBhvr>
+                                        <p:cTn id="6" dur="1" fill="hold">
+                                          <p:stCondLst>
+                                            <p:cond delay="0"/>
+                                          </p:stCondLst>
+                                        </p:cTn>
+                                        <p:tgtEl>
+                                          <p:spTgt spid="2"/>
+                                        </p:tgtEl>
+                                        <p:attrNameLst>
+                                          <p:attrName>style.visibility</p:attrName>
+                                        </p:attrNameLst>
+                                      </p:cBhvr>
+                                      <p:to>
+                                        <p:strVal val="visible"/>
+                                      </p:to>
+                                    </p:set>
+                                    <p:animEffect transition="in" filter="randombar(horizontal)">
+                                      <p:cBhvr>
+                                        <p:cTn id="7" dur="500"/>
+                                        <p:tgtEl>
+                                          <p:spTgt spid="2"/>
+                                        </p:tgtEl>
+                                      </p:cBhvr>
+                                    </p:animEffect>
+                                  </p:childTnLst>
+                                </p:cTn>
+                              </p:par>
+                            </p:childTnLst>
+                          </p:cTn>
+                        </p:par>
+                      </p:childTnLst>
+                    </p:cTn>
+                  </p:par>
+                  <p:par>
+                    <p:cTn id="8" fill="hold">
+                      <p:stCondLst>
+                        <p:cond delay="indefinite"/>
+                      </p:stCondLst>
+                      <p:childTnLst>
+                        <p:par>
+                          <p:cTn id="9" fill="hold">
+                            <p:stCondLst>
+                              <p:cond delay="0"/>
+                            </p:stCondLst>
+                            <p:childTnLst>
+                              <p:par>
+                                <p:cTn id="10" presetID="16" presetClass="entr" presetSubtype="21" fill="hold" grpId="0" nodeType="clickEffect">
+                                  <p:stCondLst>
+                                    <p:cond delay="0"/>
+                                  </p:stCondLst>
+                                  <p:childTnLst>
+                                    <p:set>
+                                      <p:cBhvr>
+                                        <p:cTn id="11" dur="1" fill="hold">
+                                          <p:stCondLst>
+                                            <p:cond delay="0"/>
+                                          </p:stCondLst>
+                                        </p:cTn>
+                                        <p:tgtEl>
+                                          <p:spTgt spid="3">
+                                            <p:txEl>
+                                              <p:pRg st="0" end="0"/>
+                                            </p:txEl>
+                                          </p:spTgt>
+                                        </p:tgtEl>
+                                        <p:attrNameLst>
+                                          <p:attrName>style.visibility</p:attrName>
+                                        </p:attrNameLst>
+                                      </p:cBhvr>
+                                      <p:to>
+                                        <p:strVal val="visible"/>
+                                      </p:to>
+                                    </p:set>
+                                    <p:animEffect transition="in" filter="barn(inVertical)">
+                                      <p:cBhvr>
+                                        <p:cTn id="12" dur="500"/>
+                                        <p:tgtEl>
+                                          <p:spTgt spid="3">
+                                            <p:txEl>
+                                              <p:pRg st="0" end="0"/>
+                                            </p:txEl>
+                                          </p:spTgt>
+                                        </p:tgtEl>
+                                      </p:cBhvr>
+                                    </p:animEffect>
+                                  </p:childTnLst>
+                                </p:cTn>
+                              </p:par>
+                            </p:childTnLst>
+                          </p:cTn>
+                        </p:par>
+                      </p:childTnLst>
+                    </p:cTn>
+                  </p:par>
+                  <p:par>
+                    <p:cTn id="13" fill="hold">
+                      <p:stCondLst>
+                        <p:cond delay="indefinite"/>
+                      </p:stCondLst>
+                      <p:childTnLst>
+                        <p:par>
+                          <p:cTn id="14" fill="hold">
+                            <p:stCondLst>
+                              <p:cond delay="0"/>
+                            </p:stCondLst>
+                            <p:childTnLst>
+                              <p:par>
+                                <p:cTn id="15" presetID="14" presetClass="entr" presetSubtype="10" fill="hold" nodeType="clickEffect">
+                                  <p:stCondLst>
+                                    <p:cond delay="0"/>
+                                  </p:stCondLst>
+                                  <p:childTnLst>
+                                    <p:set>
+                                      <p:cBhvr>
+                                        <p:cTn id="16" dur="1" fill="hold">
+                                          <p:stCondLst>
+                                            <p:cond delay="0"/>
+                                          </p:stCondLst>
+                                        </p:cTn>
+                                        <p:tgtEl>
+                                          <p:spTgt spid="12"/>
+                                        </p:tgtEl>
+                                        <p:attrNameLst>
+                                          <p:attrName>style.visibility</p:attrName>
+                                        </p:attrNameLst>
+                                      </p:cBhvr>
+                                      <p:to>
+                                        <p:strVal val="visible"/>
+                                      </p:to>
+                                    </p:set>
+                                    <p:animEffect transition="in" filter="randombar(horizontal)">
+                                      <p:cBhvr>
+                                        <p:cTn id="17" dur="500"/>
+                                        <p:tgtEl>
+                                          <p:spTgt spid="12"/>
+                                        </p:tgtEl>
+                                      </p:cBhvr>
+                                    </p:animEffect>
+                                  </p:childTnLst>
+                                </p:cTn>
+                              </p:par>
+                            </p:childTnLst>
+                          </p:cTn>
+                        </p:par>
+                      </p:childTnLst>
+                    </p:cTn>
+                  </p:par>
+                  <p:par>
+                    <p:cTn id="18" fill="hold">
+                      <p:stCondLst>
+                        <p:cond delay="indefinite"/>
+                      </p:stCondLst>
+                      <p:childTnLst>
+                        <p:par>
+                          <p:cTn id="19" fill="hold">
+                            <p:stCondLst>
+                              <p:cond delay="0"/>
+                            </p:stCondLst>
+                            <p:childTnLst>
+                              <p:par>
+                                <p:cTn id="20" presetID="22" presetClass="entr" presetSubtype="4" fill="hold" grpId="0" nodeType="clickEffect">
+                                  <p:stCondLst>
+                                    <p:cond delay="0"/>
+                                  </p:stCondLst>
+                                  <p:childTnLst>
+                                    <p:set>
+                                      <p:cBhvr>
+                                        <p:cTn id="21" dur="1" fill="hold">
+                                          <p:stCondLst>
+                                            <p:cond delay="0"/>
+                                          </p:stCondLst>
+                                        </p:cTn>
+                                        <p:tgtEl>
+                                          <p:spTgt spid="13"/>
+                                        </p:tgtEl>
+                                        <p:attrNameLst>
+                                          <p:attrName>style.visibility</p:attrName>
+                                        </p:attrNameLst>
+                                      </p:cBhvr>
+                                      <p:to>
+                                        <p:strVal val="visible"/>
+                                      </p:to>
+                                    </p:set>
+                                    <p:animEffect transition="in" filter="wipe(down)">
+                                      <p:cBhvr>
+                                        <p:cTn id="22" dur="500"/>
+                                        <p:tgtEl>
+                                          <p:spTgt spid="13"/>
+                                        </p:tgtEl>
+                                      </p:cBhvr>
+                                    </p:animEffect>
+                                  </p:childTnLst>
+                                </p:cTn>
+                              </p:par>
+                            </p:childTnLst>
+                          </p:cTn>
+                        </p:par>
+                      </p:childTnLst>
+                    </p:cTn>
+                  </p:par>
+                  <p:par>
+                    <p:cTn id="23" fill="hold">
+                      <p:stCondLst>
+                        <p:cond delay="indefinite"/>
+                      </p:stCondLst>
+                      <p:childTnLst>
+                        <p:par>
+                          <p:cTn id="24" fill="hold">
+                            <p:stCondLst>
+                              <p:cond delay="0"/>
+                            </p:stCondLst>
+                            <p:childTnLst>
+                              <p:par>
+                                <p:cTn id="25" presetID="22" presetClass="entr" presetSubtype="4" fill="hold" grpId="0" nodeType="clickEffect">
+                                  <p:stCondLst>
+                                    <p:cond delay="0"/>
+                                  </p:stCondLst>
+                                  <p:childTnLst>
+                                    <p:set>
+                                      <p:cBhvr>
+                                        <p:cTn id="26" dur="1" fill="hold">
+                                          <p:stCondLst>
+                                            <p:cond delay="0"/>
+                                          </p:stCondLst>
+                                        </p:cTn>
+                                        <p:tgtEl>
+                                          <p:spTgt spid="14"/>
+                                        </p:tgtEl>
+                                        <p:attrNameLst>
+                                          <p:attrName>style.visibility</p:attrName>
+                                        </p:attrNameLst>
+                                      </p:cBhvr>
+                                      <p:to>
+                                        <p:strVal val="visible"/>
+                                      </p:to>
+                                    </p:set>
+                                    <p:animEffect transition="in" filter="wipe(down)">
+                                      <p:cBhvr>
+                                        <p:cTn id="27" dur="500"/>
+                                        <p:tgtEl>
+                                          <p:spTgt spid="14"/>
+                                        </p:tgtEl>
+                                      </p:cBhvr>
+                                    </p:animEffect>
+                                  </p:childTnLst>
+                                </p:cTn>
+                              </p:par>
+                            </p:childTnLst>
+                          </p:cTn>
+                        </p:par>
+                      </p:childTnLst>
+                    </p:cTn>
+                  </p:par>
+                </p:childTnLst>
+              </p:cTn>
+              <p:prevCondLst>
+                <p:cond evt="onPrev" delay="0">
+                  <p:tgtEl>
+                    <p:sldTgt/>
+                  </p:tgtEl>
+                </p:cond>
+              </p:prevCondLst>
+              <p:nextCondLst>
+                <p:cond evt="onNext" delay="0">
+                  <p:tgtEl>
+                    <p:sldTgt/>
+                  </p:tgtEl>
+                </p:cond>
+              </p:nextCondLst>
+            </p:seq>
+          </p:childTnLst>
+        </p:cTn>
+      </p:par>
+    </p:tnLst>
+    <p:bldLst>
+      <p:bldP spid="2" grpId="0"/>
+      <p:bldP spid="3" grpId="0" build="p"/>
+      <p:bldP spid="13" grpId="0"/>
+      <p:bldP spid="14" grpId="0"/>
+    </p:bldLst>
+  </p:timing>
 </p:sld>
 </file>
 
@@ -6028,6 +7995,207 @@
       </p:transition>
     </mc:Fallback>
   </mc:AlternateContent>
+  <p:timing>
+    <p:tnLst>
+      <p:par>
+        <p:cTn id="1" dur="indefinite" restart="never" nodeType="tmRoot">
+          <p:childTnLst>
+            <p:seq concurrent="1" nextAc="seek">
+              <p:cTn id="2" dur="indefinite" nodeType="mainSeq">
+                <p:childTnLst>
+                  <p:par>
+                    <p:cTn id="3" fill="hold">
+                      <p:stCondLst>
+                        <p:cond delay="indefinite"/>
+                      </p:stCondLst>
+                      <p:childTnLst>
+                        <p:par>
+                          <p:cTn id="4" fill="hold">
+                            <p:stCondLst>
+                              <p:cond delay="0"/>
+                            </p:stCondLst>
+                            <p:childTnLst>
+                              <p:par>
+                                <p:cTn id="5" presetID="22" presetClass="entr" presetSubtype="4" fill="hold" grpId="0" nodeType="clickEffect">
+                                  <p:stCondLst>
+                                    <p:cond delay="0"/>
+                                  </p:stCondLst>
+                                  <p:childTnLst>
+                                    <p:set>
+                                      <p:cBhvr>
+                                        <p:cTn id="6" dur="1" fill="hold">
+                                          <p:stCondLst>
+                                            <p:cond delay="0"/>
+                                          </p:stCondLst>
+                                        </p:cTn>
+                                        <p:tgtEl>
+                                          <p:spTgt spid="4">
+                                            <p:txEl>
+                                              <p:pRg st="0" end="0"/>
+                                            </p:txEl>
+                                          </p:spTgt>
+                                        </p:tgtEl>
+                                        <p:attrNameLst>
+                                          <p:attrName>style.visibility</p:attrName>
+                                        </p:attrNameLst>
+                                      </p:cBhvr>
+                                      <p:to>
+                                        <p:strVal val="visible"/>
+                                      </p:to>
+                                    </p:set>
+                                    <p:animEffect transition="in" filter="wipe(down)">
+                                      <p:cBhvr>
+                                        <p:cTn id="7" dur="500"/>
+                                        <p:tgtEl>
+                                          <p:spTgt spid="4">
+                                            <p:txEl>
+                                              <p:pRg st="0" end="0"/>
+                                            </p:txEl>
+                                          </p:spTgt>
+                                        </p:tgtEl>
+                                      </p:cBhvr>
+                                    </p:animEffect>
+                                  </p:childTnLst>
+                                </p:cTn>
+                              </p:par>
+                            </p:childTnLst>
+                          </p:cTn>
+                        </p:par>
+                      </p:childTnLst>
+                    </p:cTn>
+                  </p:par>
+                  <p:par>
+                    <p:cTn id="8" fill="hold">
+                      <p:stCondLst>
+                        <p:cond delay="indefinite"/>
+                      </p:stCondLst>
+                      <p:childTnLst>
+                        <p:par>
+                          <p:cTn id="9" fill="hold">
+                            <p:stCondLst>
+                              <p:cond delay="0"/>
+                            </p:stCondLst>
+                            <p:childTnLst>
+                              <p:par>
+                                <p:cTn id="10" presetID="22" presetClass="entr" presetSubtype="4" fill="hold" grpId="0" nodeType="clickEffect">
+                                  <p:stCondLst>
+                                    <p:cond delay="0"/>
+                                  </p:stCondLst>
+                                  <p:childTnLst>
+                                    <p:set>
+                                      <p:cBhvr>
+                                        <p:cTn id="11" dur="1" fill="hold">
+                                          <p:stCondLst>
+                                            <p:cond delay="0"/>
+                                          </p:stCondLst>
+                                        </p:cTn>
+                                        <p:tgtEl>
+                                          <p:spTgt spid="2"/>
+                                        </p:tgtEl>
+                                        <p:attrNameLst>
+                                          <p:attrName>style.visibility</p:attrName>
+                                        </p:attrNameLst>
+                                      </p:cBhvr>
+                                      <p:to>
+                                        <p:strVal val="visible"/>
+                                      </p:to>
+                                    </p:set>
+                                    <p:animEffect transition="in" filter="wipe(down)">
+                                      <p:cBhvr>
+                                        <p:cTn id="12" dur="500"/>
+                                        <p:tgtEl>
+                                          <p:spTgt spid="2"/>
+                                        </p:tgtEl>
+                                      </p:cBhvr>
+                                    </p:animEffect>
+                                  </p:childTnLst>
+                                </p:cTn>
+                              </p:par>
+                            </p:childTnLst>
+                          </p:cTn>
+                        </p:par>
+                      </p:childTnLst>
+                    </p:cTn>
+                  </p:par>
+                  <p:par>
+                    <p:cTn id="13" fill="hold">
+                      <p:stCondLst>
+                        <p:cond delay="indefinite"/>
+                      </p:stCondLst>
+                      <p:childTnLst>
+                        <p:par>
+                          <p:cTn id="14" fill="hold">
+                            <p:stCondLst>
+                              <p:cond delay="0"/>
+                            </p:stCondLst>
+                            <p:childTnLst>
+                              <p:par>
+                                <p:cTn id="15" presetID="14" presetClass="entr" presetSubtype="10" fill="hold" nodeType="clickEffect">
+                                  <p:stCondLst>
+                                    <p:cond delay="0"/>
+                                  </p:stCondLst>
+                                  <p:childTnLst>
+                                    <p:set>
+                                      <p:cBhvr>
+                                        <p:cTn id="16" dur="1" fill="hold">
+                                          <p:stCondLst>
+                                            <p:cond delay="0"/>
+                                          </p:stCondLst>
+                                        </p:cTn>
+                                        <p:tgtEl>
+                                          <p:spTgt spid="1026"/>
+                                        </p:tgtEl>
+                                        <p:attrNameLst>
+                                          <p:attrName>style.visibility</p:attrName>
+                                        </p:attrNameLst>
+                                      </p:cBhvr>
+                                      <p:to>
+                                        <p:strVal val="visible"/>
+                                      </p:to>
+                                    </p:set>
+                                    <p:animEffect transition="in" filter="randombar(horizontal)">
+                                      <p:cBhvr>
+                                        <p:cTn id="17" dur="500"/>
+                                        <p:tgtEl>
+                                          <p:spTgt spid="1026"/>
+                                        </p:tgtEl>
+                                      </p:cBhvr>
+                                    </p:animEffect>
+                                  </p:childTnLst>
+                                </p:cTn>
+                              </p:par>
+                            </p:childTnLst>
+                          </p:cTn>
+                        </p:par>
+                      </p:childTnLst>
+                    </p:cTn>
+                  </p:par>
+                </p:childTnLst>
+              </p:cTn>
+              <p:prevCondLst>
+                <p:cond evt="onPrev" delay="0">
+                  <p:tgtEl>
+                    <p:sldTgt/>
+                  </p:tgtEl>
+                </p:cond>
+              </p:prevCondLst>
+              <p:nextCondLst>
+                <p:cond evt="onNext" delay="0">
+                  <p:tgtEl>
+                    <p:sldTgt/>
+                  </p:tgtEl>
+                </p:cond>
+              </p:nextCondLst>
+            </p:seq>
+          </p:childTnLst>
+        </p:cTn>
+      </p:par>
+    </p:tnLst>
+    <p:bldLst>
+      <p:bldP spid="2" grpId="0"/>
+      <p:bldP spid="4" grpId="0" build="p"/>
+    </p:bldLst>
+  </p:timing>
 </p:sld>
 </file>
 
@@ -6663,6 +8831,628 @@
       </p:transition>
     </mc:Fallback>
   </mc:AlternateContent>
+  <p:timing>
+    <p:tnLst>
+      <p:par>
+        <p:cTn id="1" dur="indefinite" restart="never" nodeType="tmRoot">
+          <p:childTnLst>
+            <p:seq concurrent="1" nextAc="seek">
+              <p:cTn id="2" dur="indefinite" nodeType="mainSeq">
+                <p:childTnLst>
+                  <p:par>
+                    <p:cTn id="3" fill="hold">
+                      <p:stCondLst>
+                        <p:cond delay="indefinite"/>
+                      </p:stCondLst>
+                      <p:childTnLst>
+                        <p:par>
+                          <p:cTn id="4" fill="hold">
+                            <p:stCondLst>
+                              <p:cond delay="0"/>
+                            </p:stCondLst>
+                            <p:childTnLst>
+                              <p:par>
+                                <p:cTn id="5" presetID="22" presetClass="entr" presetSubtype="4" fill="hold" nodeType="clickEffect">
+                                  <p:stCondLst>
+                                    <p:cond delay="0"/>
+                                  </p:stCondLst>
+                                  <p:childTnLst>
+                                    <p:set>
+                                      <p:cBhvr>
+                                        <p:cTn id="6" dur="1" fill="hold">
+                                          <p:stCondLst>
+                                            <p:cond delay="0"/>
+                                          </p:stCondLst>
+                                        </p:cTn>
+                                        <p:tgtEl>
+                                          <p:spTgt spid="3"/>
+                                        </p:tgtEl>
+                                        <p:attrNameLst>
+                                          <p:attrName>style.visibility</p:attrName>
+                                        </p:attrNameLst>
+                                      </p:cBhvr>
+                                      <p:to>
+                                        <p:strVal val="visible"/>
+                                      </p:to>
+                                    </p:set>
+                                    <p:animEffect transition="in" filter="wipe(down)">
+                                      <p:cBhvr>
+                                        <p:cTn id="7" dur="500"/>
+                                        <p:tgtEl>
+                                          <p:spTgt spid="3"/>
+                                        </p:tgtEl>
+                                      </p:cBhvr>
+                                    </p:animEffect>
+                                  </p:childTnLst>
+                                </p:cTn>
+                              </p:par>
+                            </p:childTnLst>
+                          </p:cTn>
+                        </p:par>
+                      </p:childTnLst>
+                    </p:cTn>
+                  </p:par>
+                  <p:par>
+                    <p:cTn id="8" fill="hold">
+                      <p:stCondLst>
+                        <p:cond delay="indefinite"/>
+                      </p:stCondLst>
+                      <p:childTnLst>
+                        <p:par>
+                          <p:cTn id="9" fill="hold">
+                            <p:stCondLst>
+                              <p:cond delay="0"/>
+                            </p:stCondLst>
+                            <p:childTnLst>
+                              <p:par>
+                                <p:cTn id="10" presetID="22" presetClass="entr" presetSubtype="4" fill="hold" grpId="0" nodeType="clickEffect">
+                                  <p:stCondLst>
+                                    <p:cond delay="0"/>
+                                  </p:stCondLst>
+                                  <p:childTnLst>
+                                    <p:set>
+                                      <p:cBhvr>
+                                        <p:cTn id="11" dur="1" fill="hold">
+                                          <p:stCondLst>
+                                            <p:cond delay="0"/>
+                                          </p:stCondLst>
+                                        </p:cTn>
+                                        <p:tgtEl>
+                                          <p:spTgt spid="9"/>
+                                        </p:tgtEl>
+                                        <p:attrNameLst>
+                                          <p:attrName>style.visibility</p:attrName>
+                                        </p:attrNameLst>
+                                      </p:cBhvr>
+                                      <p:to>
+                                        <p:strVal val="visible"/>
+                                      </p:to>
+                                    </p:set>
+                                    <p:animEffect transition="in" filter="wipe(down)">
+                                      <p:cBhvr>
+                                        <p:cTn id="12" dur="500"/>
+                                        <p:tgtEl>
+                                          <p:spTgt spid="9"/>
+                                        </p:tgtEl>
+                                      </p:cBhvr>
+                                    </p:animEffect>
+                                  </p:childTnLst>
+                                </p:cTn>
+                              </p:par>
+                            </p:childTnLst>
+                          </p:cTn>
+                        </p:par>
+                      </p:childTnLst>
+                    </p:cTn>
+                  </p:par>
+                  <p:par>
+                    <p:cTn id="13" fill="hold">
+                      <p:stCondLst>
+                        <p:cond delay="indefinite"/>
+                      </p:stCondLst>
+                      <p:childTnLst>
+                        <p:par>
+                          <p:cTn id="14" fill="hold">
+                            <p:stCondLst>
+                              <p:cond delay="0"/>
+                            </p:stCondLst>
+                            <p:childTnLst>
+                              <p:par>
+                                <p:cTn id="15" presetID="22" presetClass="entr" presetSubtype="4" fill="hold" grpId="0" nodeType="clickEffect">
+                                  <p:stCondLst>
+                                    <p:cond delay="0"/>
+                                  </p:stCondLst>
+                                  <p:childTnLst>
+                                    <p:set>
+                                      <p:cBhvr>
+                                        <p:cTn id="16" dur="1" fill="hold">
+                                          <p:stCondLst>
+                                            <p:cond delay="0"/>
+                                          </p:stCondLst>
+                                        </p:cTn>
+                                        <p:tgtEl>
+                                          <p:spTgt spid="11"/>
+                                        </p:tgtEl>
+                                        <p:attrNameLst>
+                                          <p:attrName>style.visibility</p:attrName>
+                                        </p:attrNameLst>
+                                      </p:cBhvr>
+                                      <p:to>
+                                        <p:strVal val="visible"/>
+                                      </p:to>
+                                    </p:set>
+                                    <p:animEffect transition="in" filter="wipe(down)">
+                                      <p:cBhvr>
+                                        <p:cTn id="17" dur="500"/>
+                                        <p:tgtEl>
+                                          <p:spTgt spid="11"/>
+                                        </p:tgtEl>
+                                      </p:cBhvr>
+                                    </p:animEffect>
+                                  </p:childTnLst>
+                                </p:cTn>
+                              </p:par>
+                            </p:childTnLst>
+                          </p:cTn>
+                        </p:par>
+                      </p:childTnLst>
+                    </p:cTn>
+                  </p:par>
+                  <p:par>
+                    <p:cTn id="18" fill="hold">
+                      <p:stCondLst>
+                        <p:cond delay="indefinite"/>
+                      </p:stCondLst>
+                      <p:childTnLst>
+                        <p:par>
+                          <p:cTn id="19" fill="hold">
+                            <p:stCondLst>
+                              <p:cond delay="0"/>
+                            </p:stCondLst>
+                            <p:childTnLst>
+                              <p:par>
+                                <p:cTn id="20" presetID="22" presetClass="entr" presetSubtype="4" fill="hold" grpId="0" nodeType="clickEffect">
+                                  <p:stCondLst>
+                                    <p:cond delay="0"/>
+                                  </p:stCondLst>
+                                  <p:childTnLst>
+                                    <p:set>
+                                      <p:cBhvr>
+                                        <p:cTn id="21" dur="1" fill="hold">
+                                          <p:stCondLst>
+                                            <p:cond delay="0"/>
+                                          </p:stCondLst>
+                                        </p:cTn>
+                                        <p:tgtEl>
+                                          <p:spTgt spid="13"/>
+                                        </p:tgtEl>
+                                        <p:attrNameLst>
+                                          <p:attrName>style.visibility</p:attrName>
+                                        </p:attrNameLst>
+                                      </p:cBhvr>
+                                      <p:to>
+                                        <p:strVal val="visible"/>
+                                      </p:to>
+                                    </p:set>
+                                    <p:animEffect transition="in" filter="wipe(down)">
+                                      <p:cBhvr>
+                                        <p:cTn id="22" dur="500"/>
+                                        <p:tgtEl>
+                                          <p:spTgt spid="13"/>
+                                        </p:tgtEl>
+                                      </p:cBhvr>
+                                    </p:animEffect>
+                                  </p:childTnLst>
+                                </p:cTn>
+                              </p:par>
+                            </p:childTnLst>
+                          </p:cTn>
+                        </p:par>
+                      </p:childTnLst>
+                    </p:cTn>
+                  </p:par>
+                  <p:par>
+                    <p:cTn id="23" fill="hold">
+                      <p:stCondLst>
+                        <p:cond delay="indefinite"/>
+                      </p:stCondLst>
+                      <p:childTnLst>
+                        <p:par>
+                          <p:cTn id="24" fill="hold">
+                            <p:stCondLst>
+                              <p:cond delay="0"/>
+                            </p:stCondLst>
+                            <p:childTnLst>
+                              <p:par>
+                                <p:cTn id="25" presetID="22" presetClass="entr" presetSubtype="4" fill="hold" grpId="0" nodeType="clickEffect">
+                                  <p:stCondLst>
+                                    <p:cond delay="0"/>
+                                  </p:stCondLst>
+                                  <p:childTnLst>
+                                    <p:set>
+                                      <p:cBhvr>
+                                        <p:cTn id="26" dur="1" fill="hold">
+                                          <p:stCondLst>
+                                            <p:cond delay="0"/>
+                                          </p:stCondLst>
+                                        </p:cTn>
+                                        <p:tgtEl>
+                                          <p:spTgt spid="15"/>
+                                        </p:tgtEl>
+                                        <p:attrNameLst>
+                                          <p:attrName>style.visibility</p:attrName>
+                                        </p:attrNameLst>
+                                      </p:cBhvr>
+                                      <p:to>
+                                        <p:strVal val="visible"/>
+                                      </p:to>
+                                    </p:set>
+                                    <p:animEffect transition="in" filter="wipe(down)">
+                                      <p:cBhvr>
+                                        <p:cTn id="27" dur="500"/>
+                                        <p:tgtEl>
+                                          <p:spTgt spid="15"/>
+                                        </p:tgtEl>
+                                      </p:cBhvr>
+                                    </p:animEffect>
+                                  </p:childTnLst>
+                                </p:cTn>
+                              </p:par>
+                              <p:par>
+                                <p:cTn id="28" presetID="22" presetClass="entr" presetSubtype="4" fill="hold" nodeType="withEffect">
+                                  <p:stCondLst>
+                                    <p:cond delay="0"/>
+                                  </p:stCondLst>
+                                  <p:childTnLst>
+                                    <p:set>
+                                      <p:cBhvr>
+                                        <p:cTn id="29" dur="1" fill="hold">
+                                          <p:stCondLst>
+                                            <p:cond delay="0"/>
+                                          </p:stCondLst>
+                                        </p:cTn>
+                                        <p:tgtEl>
+                                          <p:spTgt spid="17"/>
+                                        </p:tgtEl>
+                                        <p:attrNameLst>
+                                          <p:attrName>style.visibility</p:attrName>
+                                        </p:attrNameLst>
+                                      </p:cBhvr>
+                                      <p:to>
+                                        <p:strVal val="visible"/>
+                                      </p:to>
+                                    </p:set>
+                                    <p:animEffect transition="in" filter="wipe(down)">
+                                      <p:cBhvr>
+                                        <p:cTn id="30" dur="500"/>
+                                        <p:tgtEl>
+                                          <p:spTgt spid="17"/>
+                                        </p:tgtEl>
+                                      </p:cBhvr>
+                                    </p:animEffect>
+                                  </p:childTnLst>
+                                </p:cTn>
+                              </p:par>
+                            </p:childTnLst>
+                          </p:cTn>
+                        </p:par>
+                      </p:childTnLst>
+                    </p:cTn>
+                  </p:par>
+                  <p:par>
+                    <p:cTn id="31" fill="hold">
+                      <p:stCondLst>
+                        <p:cond delay="indefinite"/>
+                      </p:stCondLst>
+                      <p:childTnLst>
+                        <p:par>
+                          <p:cTn id="32" fill="hold">
+                            <p:stCondLst>
+                              <p:cond delay="0"/>
+                            </p:stCondLst>
+                            <p:childTnLst>
+                              <p:par>
+                                <p:cTn id="33" presetID="22" presetClass="entr" presetSubtype="4" fill="hold" grpId="0" nodeType="clickEffect">
+                                  <p:stCondLst>
+                                    <p:cond delay="0"/>
+                                  </p:stCondLst>
+                                  <p:childTnLst>
+                                    <p:set>
+                                      <p:cBhvr>
+                                        <p:cTn id="34" dur="1" fill="hold">
+                                          <p:stCondLst>
+                                            <p:cond delay="0"/>
+                                          </p:stCondLst>
+                                        </p:cTn>
+                                        <p:tgtEl>
+                                          <p:spTgt spid="14"/>
+                                        </p:tgtEl>
+                                        <p:attrNameLst>
+                                          <p:attrName>style.visibility</p:attrName>
+                                        </p:attrNameLst>
+                                      </p:cBhvr>
+                                      <p:to>
+                                        <p:strVal val="visible"/>
+                                      </p:to>
+                                    </p:set>
+                                    <p:animEffect transition="in" filter="wipe(down)">
+                                      <p:cBhvr>
+                                        <p:cTn id="35" dur="500"/>
+                                        <p:tgtEl>
+                                          <p:spTgt spid="14"/>
+                                        </p:tgtEl>
+                                      </p:cBhvr>
+                                    </p:animEffect>
+                                  </p:childTnLst>
+                                </p:cTn>
+                              </p:par>
+                            </p:childTnLst>
+                          </p:cTn>
+                        </p:par>
+                      </p:childTnLst>
+                    </p:cTn>
+                  </p:par>
+                  <p:par>
+                    <p:cTn id="36" fill="hold">
+                      <p:stCondLst>
+                        <p:cond delay="indefinite"/>
+                      </p:stCondLst>
+                      <p:childTnLst>
+                        <p:par>
+                          <p:cTn id="37" fill="hold">
+                            <p:stCondLst>
+                              <p:cond delay="0"/>
+                            </p:stCondLst>
+                            <p:childTnLst>
+                              <p:par>
+                                <p:cTn id="38" presetID="22" presetClass="entr" presetSubtype="4" fill="hold" grpId="0" nodeType="clickEffect">
+                                  <p:stCondLst>
+                                    <p:cond delay="0"/>
+                                  </p:stCondLst>
+                                  <p:childTnLst>
+                                    <p:set>
+                                      <p:cBhvr>
+                                        <p:cTn id="39" dur="1" fill="hold">
+                                          <p:stCondLst>
+                                            <p:cond delay="0"/>
+                                          </p:stCondLst>
+                                        </p:cTn>
+                                        <p:tgtEl>
+                                          <p:spTgt spid="18"/>
+                                        </p:tgtEl>
+                                        <p:attrNameLst>
+                                          <p:attrName>style.visibility</p:attrName>
+                                        </p:attrNameLst>
+                                      </p:cBhvr>
+                                      <p:to>
+                                        <p:strVal val="visible"/>
+                                      </p:to>
+                                    </p:set>
+                                    <p:animEffect transition="in" filter="wipe(down)">
+                                      <p:cBhvr>
+                                        <p:cTn id="40" dur="500"/>
+                                        <p:tgtEl>
+                                          <p:spTgt spid="18"/>
+                                        </p:tgtEl>
+                                      </p:cBhvr>
+                                    </p:animEffect>
+                                  </p:childTnLst>
+                                </p:cTn>
+                              </p:par>
+                              <p:par>
+                                <p:cTn id="41" presetID="22" presetClass="entr" presetSubtype="4" fill="hold" nodeType="withEffect">
+                                  <p:stCondLst>
+                                    <p:cond delay="0"/>
+                                  </p:stCondLst>
+                                  <p:childTnLst>
+                                    <p:set>
+                                      <p:cBhvr>
+                                        <p:cTn id="42" dur="1" fill="hold">
+                                          <p:stCondLst>
+                                            <p:cond delay="0"/>
+                                          </p:stCondLst>
+                                        </p:cTn>
+                                        <p:tgtEl>
+                                          <p:spTgt spid="24"/>
+                                        </p:tgtEl>
+                                        <p:attrNameLst>
+                                          <p:attrName>style.visibility</p:attrName>
+                                        </p:attrNameLst>
+                                      </p:cBhvr>
+                                      <p:to>
+                                        <p:strVal val="visible"/>
+                                      </p:to>
+                                    </p:set>
+                                    <p:animEffect transition="in" filter="wipe(down)">
+                                      <p:cBhvr>
+                                        <p:cTn id="43" dur="500"/>
+                                        <p:tgtEl>
+                                          <p:spTgt spid="24"/>
+                                        </p:tgtEl>
+                                      </p:cBhvr>
+                                    </p:animEffect>
+                                  </p:childTnLst>
+                                </p:cTn>
+                              </p:par>
+                            </p:childTnLst>
+                          </p:cTn>
+                        </p:par>
+                      </p:childTnLst>
+                    </p:cTn>
+                  </p:par>
+                  <p:par>
+                    <p:cTn id="44" fill="hold">
+                      <p:stCondLst>
+                        <p:cond delay="indefinite"/>
+                      </p:stCondLst>
+                      <p:childTnLst>
+                        <p:par>
+                          <p:cTn id="45" fill="hold">
+                            <p:stCondLst>
+                              <p:cond delay="0"/>
+                            </p:stCondLst>
+                            <p:childTnLst>
+                              <p:par>
+                                <p:cTn id="46" presetID="22" presetClass="entr" presetSubtype="4" fill="hold" grpId="0" nodeType="clickEffect">
+                                  <p:stCondLst>
+                                    <p:cond delay="0"/>
+                                  </p:stCondLst>
+                                  <p:childTnLst>
+                                    <p:set>
+                                      <p:cBhvr>
+                                        <p:cTn id="47" dur="1" fill="hold">
+                                          <p:stCondLst>
+                                            <p:cond delay="0"/>
+                                          </p:stCondLst>
+                                        </p:cTn>
+                                        <p:tgtEl>
+                                          <p:spTgt spid="12"/>
+                                        </p:tgtEl>
+                                        <p:attrNameLst>
+                                          <p:attrName>style.visibility</p:attrName>
+                                        </p:attrNameLst>
+                                      </p:cBhvr>
+                                      <p:to>
+                                        <p:strVal val="visible"/>
+                                      </p:to>
+                                    </p:set>
+                                    <p:animEffect transition="in" filter="wipe(down)">
+                                      <p:cBhvr>
+                                        <p:cTn id="48" dur="500"/>
+                                        <p:tgtEl>
+                                          <p:spTgt spid="12"/>
+                                        </p:tgtEl>
+                                      </p:cBhvr>
+                                    </p:animEffect>
+                                  </p:childTnLst>
+                                </p:cTn>
+                              </p:par>
+                            </p:childTnLst>
+                          </p:cTn>
+                        </p:par>
+                      </p:childTnLst>
+                    </p:cTn>
+                  </p:par>
+                  <p:par>
+                    <p:cTn id="49" fill="hold">
+                      <p:stCondLst>
+                        <p:cond delay="indefinite"/>
+                      </p:stCondLst>
+                      <p:childTnLst>
+                        <p:par>
+                          <p:cTn id="50" fill="hold">
+                            <p:stCondLst>
+                              <p:cond delay="0"/>
+                            </p:stCondLst>
+                            <p:childTnLst>
+                              <p:par>
+                                <p:cTn id="51" presetID="22" presetClass="entr" presetSubtype="4" fill="hold" grpId="0" nodeType="clickEffect">
+                                  <p:stCondLst>
+                                    <p:cond delay="0"/>
+                                  </p:stCondLst>
+                                  <p:childTnLst>
+                                    <p:set>
+                                      <p:cBhvr>
+                                        <p:cTn id="52" dur="1" fill="hold">
+                                          <p:stCondLst>
+                                            <p:cond delay="0"/>
+                                          </p:stCondLst>
+                                        </p:cTn>
+                                        <p:tgtEl>
+                                          <p:spTgt spid="26"/>
+                                        </p:tgtEl>
+                                        <p:attrNameLst>
+                                          <p:attrName>style.visibility</p:attrName>
+                                        </p:attrNameLst>
+                                      </p:cBhvr>
+                                      <p:to>
+                                        <p:strVal val="visible"/>
+                                      </p:to>
+                                    </p:set>
+                                    <p:animEffect transition="in" filter="wipe(down)">
+                                      <p:cBhvr>
+                                        <p:cTn id="53" dur="500"/>
+                                        <p:tgtEl>
+                                          <p:spTgt spid="26"/>
+                                        </p:tgtEl>
+                                      </p:cBhvr>
+                                    </p:animEffect>
+                                  </p:childTnLst>
+                                </p:cTn>
+                              </p:par>
+                              <p:par>
+                                <p:cTn id="54" presetID="22" presetClass="entr" presetSubtype="4" fill="hold" nodeType="withEffect">
+                                  <p:stCondLst>
+                                    <p:cond delay="0"/>
+                                  </p:stCondLst>
+                                  <p:childTnLst>
+                                    <p:set>
+                                      <p:cBhvr>
+                                        <p:cTn id="55" dur="1" fill="hold">
+                                          <p:stCondLst>
+                                            <p:cond delay="0"/>
+                                          </p:stCondLst>
+                                        </p:cTn>
+                                        <p:tgtEl>
+                                          <p:spTgt spid="28"/>
+                                        </p:tgtEl>
+                                        <p:attrNameLst>
+                                          <p:attrName>style.visibility</p:attrName>
+                                        </p:attrNameLst>
+                                      </p:cBhvr>
+                                      <p:to>
+                                        <p:strVal val="visible"/>
+                                      </p:to>
+                                    </p:set>
+                                    <p:animEffect transition="in" filter="wipe(down)">
+                                      <p:cBhvr>
+                                        <p:cTn id="56" dur="500"/>
+                                        <p:tgtEl>
+                                          <p:spTgt spid="28"/>
+                                        </p:tgtEl>
+                                      </p:cBhvr>
+                                    </p:animEffect>
+                                  </p:childTnLst>
+                                </p:cTn>
+                              </p:par>
+                            </p:childTnLst>
+                          </p:cTn>
+                        </p:par>
+                      </p:childTnLst>
+                    </p:cTn>
+                  </p:par>
+                </p:childTnLst>
+              </p:cTn>
+              <p:prevCondLst>
+                <p:cond evt="onPrev" delay="0">
+                  <p:tgtEl>
+                    <p:sldTgt/>
+                  </p:tgtEl>
+                </p:cond>
+              </p:prevCondLst>
+              <p:nextCondLst>
+                <p:cond evt="onNext" delay="0">
+                  <p:tgtEl>
+                    <p:sldTgt/>
+                  </p:tgtEl>
+                </p:cond>
+              </p:nextCondLst>
+            </p:seq>
+          </p:childTnLst>
+        </p:cTn>
+      </p:par>
+    </p:tnLst>
+    <p:bldLst>
+      <p:bldP spid="9" grpId="0"/>
+      <p:bldP spid="11" grpId="0"/>
+      <p:bldP spid="12" grpId="0" animBg="1"/>
+      <p:bldP spid="13" grpId="0" animBg="1"/>
+      <p:bldP spid="14" grpId="0" animBg="1"/>
+      <p:bldP spid="15" grpId="0" animBg="1"/>
+      <p:bldP spid="18" grpId="0" animBg="1"/>
+      <p:bldP spid="26" grpId="0" animBg="1"/>
+    </p:bldLst>
+  </p:timing>
 </p:sld>
 </file>
 
@@ -6793,8 +9583,8 @@
         </p:nvCxnSpPr>
         <p:spPr>
           <a:xfrm flipH="1">
-            <a:off x="45740" y="1196752"/>
-            <a:ext cx="12143085" cy="0"/>
+            <a:off x="0" y="1196752"/>
+            <a:ext cx="12188827" cy="0"/>
           </a:xfrm>
           <a:prstGeom prst="line">
             <a:avLst/>
@@ -7081,8 +9871,8 @@
         </p:nvSpPr>
         <p:spPr>
           <a:xfrm>
-            <a:off x="909836" y="2014682"/>
-            <a:ext cx="2808312" cy="461665"/>
+            <a:off x="549796" y="2103292"/>
+            <a:ext cx="3024336" cy="492443"/>
           </a:xfrm>
           <a:prstGeom prst="rect">
             <a:avLst/>
@@ -7101,9 +9891,131 @@
           <a:lstStyle/>
           <a:p>
             <a:r>
-              <a:rPr lang="en-US" sz="2400" b="1" dirty="0"/>
+              <a:rPr lang="en-US" sz="2600" b="1" dirty="0"/>
               <a:t>Discontinuity Based</a:t>
             </a:r>
+          </a:p>
+        </p:txBody>
+      </p:sp>
+      <p:sp>
+        <p:nvSpPr>
+          <p:cNvPr id="26" name="TextBox 25">
+            <a:extLst>
+              <a:ext uri="{FF2B5EF4-FFF2-40B4-BE49-F238E27FC236}">
+                <a16:creationId xmlns:a16="http://schemas.microsoft.com/office/drawing/2014/main" id="{8A1CC92B-3CBD-4BA3-8198-E0AA69DECE33}"/>
+              </a:ext>
+            </a:extLst>
+          </p:cNvPr>
+          <p:cNvSpPr txBox="1"/>
+          <p:nvPr/>
+        </p:nvSpPr>
+        <p:spPr>
+          <a:xfrm>
+            <a:off x="549796" y="2773586"/>
+            <a:ext cx="4824536" cy="1631216"/>
+          </a:xfrm>
+          <a:prstGeom prst="rect">
+            <a:avLst/>
+          </a:prstGeom>
+          <a:noFill/>
+          <a:ln>
+            <a:solidFill>
+              <a:schemeClr val="bg2"/>
+            </a:solidFill>
+          </a:ln>
+        </p:spPr>
+        <p:txBody>
+          <a:bodyPr wrap="square" rtlCol="0" anchor="ctr" anchorCtr="1">
+            <a:spAutoFit/>
+          </a:bodyPr>
+          <a:lstStyle/>
+          <a:p>
+            <a:r>
+              <a:rPr lang="en-US" sz="2000" dirty="0"/>
+              <a:t>The partition or subdivision of an image is carried out on some abrupt changes in gray or intensity level. Here we are mainly interested in say isolated points or identification of lines and edges.</a:t>
+            </a:r>
+            <a:endParaRPr lang="en-US" sz="2400" dirty="0"/>
+          </a:p>
+        </p:txBody>
+      </p:sp>
+      <p:sp>
+        <p:nvSpPr>
+          <p:cNvPr id="27" name="TextBox 26">
+            <a:extLst>
+              <a:ext uri="{FF2B5EF4-FFF2-40B4-BE49-F238E27FC236}">
+                <a16:creationId xmlns:a16="http://schemas.microsoft.com/office/drawing/2014/main" id="{D855994F-F3C4-49FA-8FC3-611C598B0E46}"/>
+              </a:ext>
+            </a:extLst>
+          </p:cNvPr>
+          <p:cNvSpPr txBox="1"/>
+          <p:nvPr/>
+        </p:nvSpPr>
+        <p:spPr>
+          <a:xfrm>
+            <a:off x="6096980" y="3912359"/>
+            <a:ext cx="3024336" cy="492443"/>
+          </a:xfrm>
+          <a:prstGeom prst="rect">
+            <a:avLst/>
+          </a:prstGeom>
+          <a:noFill/>
+          <a:ln>
+            <a:solidFill>
+              <a:schemeClr val="bg2"/>
+            </a:solidFill>
+          </a:ln>
+        </p:spPr>
+        <p:txBody>
+          <a:bodyPr wrap="square" rtlCol="0" anchor="ctr" anchorCtr="1">
+            <a:spAutoFit/>
+          </a:bodyPr>
+          <a:lstStyle/>
+          <a:p>
+            <a:r>
+              <a:rPr lang="en-US" sz="2600" b="1" dirty="0"/>
+              <a:t>Similarity Based</a:t>
+            </a:r>
+          </a:p>
+        </p:txBody>
+      </p:sp>
+      <p:sp>
+        <p:nvSpPr>
+          <p:cNvPr id="28" name="TextBox 27">
+            <a:extLst>
+              <a:ext uri="{FF2B5EF4-FFF2-40B4-BE49-F238E27FC236}">
+                <a16:creationId xmlns:a16="http://schemas.microsoft.com/office/drawing/2014/main" id="{F162EB5C-4136-4549-8996-5267515E8339}"/>
+              </a:ext>
+            </a:extLst>
+          </p:cNvPr>
+          <p:cNvSpPr txBox="1"/>
+          <p:nvPr/>
+        </p:nvSpPr>
+        <p:spPr>
+          <a:xfrm>
+            <a:off x="6238428" y="4636041"/>
+            <a:ext cx="4824536" cy="1323439"/>
+          </a:xfrm>
+          <a:prstGeom prst="rect">
+            <a:avLst/>
+          </a:prstGeom>
+          <a:noFill/>
+          <a:ln>
+            <a:solidFill>
+              <a:schemeClr val="bg2"/>
+            </a:solidFill>
+          </a:ln>
+        </p:spPr>
+        <p:txBody>
+          <a:bodyPr wrap="square" rtlCol="0" anchor="ctr" anchorCtr="1">
+            <a:spAutoFit/>
+          </a:bodyPr>
+          <a:lstStyle/>
+          <a:p>
+            <a:r>
+              <a:rPr lang="en-US" sz="2000" dirty="0"/>
+              <a:t>Here we try to group those pixels in image which are similar in some sense. The simplest approach under this technique is Thresholding.</a:t>
+            </a:r>
+            <a:endParaRPr lang="en-US" sz="2400" dirty="0"/>
           </a:p>
         </p:txBody>
       </p:sp>
@@ -7129,6 +10041,145 @@
       </p:transition>
     </mc:Fallback>
   </mc:AlternateContent>
+  <p:timing>
+    <p:tnLst>
+      <p:par>
+        <p:cTn id="1" dur="indefinite" restart="never" nodeType="tmRoot">
+          <p:childTnLst>
+            <p:seq concurrent="1" nextAc="seek">
+              <p:cTn id="2" dur="indefinite" nodeType="mainSeq">
+                <p:childTnLst>
+                  <p:par>
+                    <p:cTn id="3" fill="hold">
+                      <p:stCondLst>
+                        <p:cond delay="indefinite"/>
+                      </p:stCondLst>
+                      <p:childTnLst>
+                        <p:par>
+                          <p:cTn id="4" fill="hold">
+                            <p:stCondLst>
+                              <p:cond delay="0"/>
+                            </p:stCondLst>
+                            <p:childTnLst>
+                              <p:par>
+                                <p:cTn id="5" presetID="14" presetClass="entr" presetSubtype="10" fill="hold" grpId="0" nodeType="clickEffect">
+                                  <p:stCondLst>
+                                    <p:cond delay="0"/>
+                                  </p:stCondLst>
+                                  <p:childTnLst>
+                                    <p:set>
+                                      <p:cBhvr>
+                                        <p:cTn id="6" dur="1" fill="hold">
+                                          <p:stCondLst>
+                                            <p:cond delay="0"/>
+                                          </p:stCondLst>
+                                        </p:cTn>
+                                        <p:tgtEl>
+                                          <p:spTgt spid="2"/>
+                                        </p:tgtEl>
+                                        <p:attrNameLst>
+                                          <p:attrName>style.visibility</p:attrName>
+                                        </p:attrNameLst>
+                                      </p:cBhvr>
+                                      <p:to>
+                                        <p:strVal val="visible"/>
+                                      </p:to>
+                                    </p:set>
+                                    <p:animEffect transition="in" filter="randombar(horizontal)">
+                                      <p:cBhvr>
+                                        <p:cTn id="7" dur="500"/>
+                                        <p:tgtEl>
+                                          <p:spTgt spid="2"/>
+                                        </p:tgtEl>
+                                      </p:cBhvr>
+                                    </p:animEffect>
+                                  </p:childTnLst>
+                                </p:cTn>
+                              </p:par>
+                            </p:childTnLst>
+                          </p:cTn>
+                        </p:par>
+                      </p:childTnLst>
+                    </p:cTn>
+                  </p:par>
+                  <p:par>
+                    <p:cTn id="8" fill="hold">
+                      <p:stCondLst>
+                        <p:cond delay="indefinite"/>
+                      </p:stCondLst>
+                      <p:childTnLst>
+                        <p:par>
+                          <p:cTn id="9" fill="hold">
+                            <p:stCondLst>
+                              <p:cond delay="0"/>
+                            </p:stCondLst>
+                            <p:childTnLst>
+                              <p:par>
+                                <p:cTn id="10" presetID="6" presetClass="entr" presetSubtype="16" fill="hold" nodeType="clickEffect">
+                                  <p:stCondLst>
+                                    <p:cond delay="0"/>
+                                  </p:stCondLst>
+                                  <p:childTnLst>
+                                    <p:set>
+                                      <p:cBhvr>
+                                        <p:cTn id="11" dur="1" fill="hold">
+                                          <p:stCondLst>
+                                            <p:cond delay="0"/>
+                                          </p:stCondLst>
+                                        </p:cTn>
+                                        <p:tgtEl>
+                                          <p:spTgt spid="8"/>
+                                        </p:tgtEl>
+                                        <p:attrNameLst>
+                                          <p:attrName>style.visibility</p:attrName>
+                                        </p:attrNameLst>
+                                      </p:cBhvr>
+                                      <p:to>
+                                        <p:strVal val="visible"/>
+                                      </p:to>
+                                    </p:set>
+                                    <p:animEffect transition="in" filter="circle(in)">
+                                      <p:cBhvr>
+                                        <p:cTn id="12" dur="2000"/>
+                                        <p:tgtEl>
+                                          <p:spTgt spid="8"/>
+                                        </p:tgtEl>
+                                      </p:cBhvr>
+                                    </p:animEffect>
+                                  </p:childTnLst>
+                                </p:cTn>
+                              </p:par>
+                            </p:childTnLst>
+                          </p:cTn>
+                        </p:par>
+                      </p:childTnLst>
+                    </p:cTn>
+                  </p:par>
+                </p:childTnLst>
+              </p:cTn>
+              <p:prevCondLst>
+                <p:cond evt="onPrev" delay="0">
+                  <p:tgtEl>
+                    <p:sldTgt/>
+                  </p:tgtEl>
+                </p:cond>
+              </p:prevCondLst>
+              <p:nextCondLst>
+                <p:cond evt="onNext" delay="0">
+                  <p:tgtEl>
+                    <p:sldTgt/>
+                  </p:tgtEl>
+                </p:cond>
+              </p:nextCondLst>
+            </p:seq>
+          </p:childTnLst>
+        </p:cTn>
+      </p:par>
+    </p:tnLst>
+    <p:bldLst>
+      <p:bldP spid="2" grpId="0"/>
+    </p:bldLst>
+  </p:timing>
 </p:sld>
 </file>
 
@@ -7159,16 +10210,557 @@
             <p:ph type="title"/>
           </p:nvPr>
         </p:nvSpPr>
-        <p:spPr/>
-        <p:txBody>
-          <a:bodyPr/>
+        <p:spPr>
+          <a:xfrm>
+            <a:off x="7174532" y="345976"/>
+            <a:ext cx="4909622" cy="418728"/>
+          </a:xfrm>
+        </p:spPr>
+        <p:txBody>
+          <a:bodyPr>
+            <a:normAutofit fontScale="90000"/>
+          </a:bodyPr>
           <a:lstStyle/>
           <a:p>
             <a:r>
-              <a:rPr lang="en-US"/>
-              <a:t>Contact Information</a:t>
-            </a:r>
-            <a:endParaRPr lang="en-US" dirty="0"/>
+              <a:rPr lang="en-US" sz="2800" b="1" dirty="0"/>
+              <a:t>Discontinuity Based Techniques</a:t>
+            </a:r>
+          </a:p>
+        </p:txBody>
+      </p:sp>
+      <p:cxnSp>
+        <p:nvCxnSpPr>
+          <p:cNvPr id="7" name="Straight Connector 6">
+            <a:extLst>
+              <a:ext uri="{FF2B5EF4-FFF2-40B4-BE49-F238E27FC236}">
+                <a16:creationId xmlns:a16="http://schemas.microsoft.com/office/drawing/2014/main" id="{AFB9C3EB-247B-4FAE-8EA3-732271D02D2A}"/>
+              </a:ext>
+            </a:extLst>
+          </p:cNvPr>
+          <p:cNvCxnSpPr>
+            <a:cxnSpLocks/>
+          </p:cNvCxnSpPr>
+          <p:nvPr/>
+        </p:nvCxnSpPr>
+        <p:spPr>
+          <a:xfrm flipH="1">
+            <a:off x="0" y="908720"/>
+            <a:ext cx="12188826" cy="0"/>
+          </a:xfrm>
+          <a:prstGeom prst="line">
+            <a:avLst/>
+          </a:prstGeom>
+          <a:ln w="28575"/>
+        </p:spPr>
+        <p:style>
+          <a:lnRef idx="1">
+            <a:schemeClr val="accent1"/>
+          </a:lnRef>
+          <a:fillRef idx="0">
+            <a:schemeClr val="accent1"/>
+          </a:fillRef>
+          <a:effectRef idx="0">
+            <a:schemeClr val="accent1"/>
+          </a:effectRef>
+          <a:fontRef idx="minor">
+            <a:schemeClr val="tx1"/>
+          </a:fontRef>
+        </p:style>
+      </p:cxnSp>
+      <p:sp>
+        <p:nvSpPr>
+          <p:cNvPr id="9" name="TextBox 8">
+            <a:extLst>
+              <a:ext uri="{FF2B5EF4-FFF2-40B4-BE49-F238E27FC236}">
+                <a16:creationId xmlns:a16="http://schemas.microsoft.com/office/drawing/2014/main" id="{12AC1B2A-7BD8-4785-86A3-1892C12B1F5C}"/>
+              </a:ext>
+            </a:extLst>
+          </p:cNvPr>
+          <p:cNvSpPr txBox="1"/>
+          <p:nvPr/>
+        </p:nvSpPr>
+        <p:spPr>
+          <a:xfrm>
+            <a:off x="333772" y="1126481"/>
+            <a:ext cx="11665296" cy="646331"/>
+          </a:xfrm>
+          <a:prstGeom prst="rect">
+            <a:avLst/>
+          </a:prstGeom>
+          <a:noFill/>
+          <a:ln>
+            <a:solidFill>
+              <a:schemeClr val="bg2"/>
+            </a:solidFill>
+          </a:ln>
+        </p:spPr>
+        <p:txBody>
+          <a:bodyPr wrap="square" rtlCol="0" anchor="ctr" anchorCtr="1">
+            <a:spAutoFit/>
+          </a:bodyPr>
+          <a:lstStyle/>
+          <a:p>
+            <a:r>
+              <a:rPr lang="en-US" dirty="0"/>
+              <a:t>It is done by using characteristics of variations of intensity values when there is variation of intensity while transition from brighter to darker region or vice versa.</a:t>
+            </a:r>
+            <a:endParaRPr lang="en-IN" dirty="0"/>
+          </a:p>
+        </p:txBody>
+      </p:sp>
+      <p:sp>
+        <p:nvSpPr>
+          <p:cNvPr id="10" name="TextBox 9">
+            <a:extLst>
+              <a:ext uri="{FF2B5EF4-FFF2-40B4-BE49-F238E27FC236}">
+                <a16:creationId xmlns:a16="http://schemas.microsoft.com/office/drawing/2014/main" id="{70EE9FD6-1C35-4292-9325-33C8247C8385}"/>
+              </a:ext>
+            </a:extLst>
+          </p:cNvPr>
+          <p:cNvSpPr txBox="1"/>
+          <p:nvPr/>
+        </p:nvSpPr>
+        <p:spPr>
+          <a:xfrm>
+            <a:off x="333772" y="1911315"/>
+            <a:ext cx="5688632" cy="369332"/>
+          </a:xfrm>
+          <a:prstGeom prst="rect">
+            <a:avLst/>
+          </a:prstGeom>
+          <a:noFill/>
+          <a:ln>
+            <a:solidFill>
+              <a:schemeClr val="bg2"/>
+            </a:solidFill>
+          </a:ln>
+        </p:spPr>
+        <p:txBody>
+          <a:bodyPr wrap="square" rtlCol="0" anchor="ctr" anchorCtr="1">
+            <a:spAutoFit/>
+          </a:bodyPr>
+          <a:lstStyle/>
+          <a:p>
+            <a:r>
+              <a:rPr lang="en-US" b="1" dirty="0"/>
+              <a:t>Aim : </a:t>
+            </a:r>
+            <a:r>
+              <a:rPr lang="en-US" dirty="0"/>
+              <a:t>To detect isolated Points, Lines or Edges using mask</a:t>
+            </a:r>
+            <a:endParaRPr lang="en-IN" b="1" dirty="0"/>
+          </a:p>
+        </p:txBody>
+      </p:sp>
+      <mc:AlternateContent xmlns:mc="http://schemas.openxmlformats.org/markup-compatibility/2006">
+        <mc:Choice xmlns:a14="http://schemas.microsoft.com/office/drawing/2010/main" Requires="a14">
+          <p:sp>
+            <p:nvSpPr>
+              <p:cNvPr id="11" name="TextBox 10">
+                <a:extLst>
+                  <a:ext uri="{FF2B5EF4-FFF2-40B4-BE49-F238E27FC236}">
+                    <a16:creationId xmlns:a16="http://schemas.microsoft.com/office/drawing/2014/main" id="{72E89655-012F-4EE6-B046-4E337BFB335E}"/>
+                  </a:ext>
+                </a:extLst>
+              </p:cNvPr>
+              <p:cNvSpPr txBox="1"/>
+              <p:nvPr/>
+            </p:nvSpPr>
+            <p:spPr>
+              <a:xfrm>
+                <a:off x="2192712" y="2564904"/>
+                <a:ext cx="3613669" cy="369332"/>
+              </a:xfrm>
+              <a:prstGeom prst="rect">
+                <a:avLst/>
+              </a:prstGeom>
+              <a:noFill/>
+              <a:ln w="19050">
+                <a:solidFill>
+                  <a:schemeClr val="tx1"/>
+                </a:solidFill>
+              </a:ln>
+            </p:spPr>
+            <p:txBody>
+              <a:bodyPr wrap="square" lIns="0" tIns="0" rIns="0" bIns="0" rtlCol="0" anchor="ctr" anchorCtr="1">
+                <a:spAutoFit/>
+              </a:bodyPr>
+              <a:lstStyle/>
+              <a:p>
+                <a:r>
+                  <a:rPr lang="pt-BR" sz="2400" dirty="0"/>
+                  <a:t>R</a:t>
+                </a:r>
+                <a14:m>
+                  <m:oMath xmlns:m="http://schemas.openxmlformats.org/officeDocument/2006/math">
+                    <m:r>
+                      <a:rPr lang="pt-BR" i="1" smtClean="0">
+                        <a:latin typeface="Cambria Math" panose="02040503050406030204" pitchFamily="18" charset="0"/>
+                      </a:rPr>
+                      <m:t>=</m:t>
+                    </m:r>
+                    <m:nary>
+                      <m:naryPr>
+                        <m:chr m:val="∑"/>
+                        <m:ctrlPr>
+                          <a:rPr lang="pt-BR" b="0" i="1" smtClean="0">
+                            <a:latin typeface="Cambria Math" panose="02040503050406030204" pitchFamily="18" charset="0"/>
+                          </a:rPr>
+                        </m:ctrlPr>
+                      </m:naryPr>
+                      <m:sub>
+                        <m:r>
+                          <m:rPr>
+                            <m:brk m:alnAt="23"/>
+                          </m:rPr>
+                          <a:rPr lang="en-US" b="0" i="1" smtClean="0">
+                            <a:latin typeface="Cambria Math" panose="02040503050406030204" pitchFamily="18" charset="0"/>
+                          </a:rPr>
+                          <m:t>𝑖</m:t>
+                        </m:r>
+                        <m:r>
+                          <a:rPr lang="pt-BR" i="1" smtClean="0">
+                            <a:latin typeface="Cambria Math" panose="02040503050406030204" pitchFamily="18" charset="0"/>
+                          </a:rPr>
+                          <m:t>=</m:t>
+                        </m:r>
+                        <m:r>
+                          <a:rPr lang="en-US" b="0" i="1" smtClean="0">
+                            <a:latin typeface="Cambria Math" panose="02040503050406030204" pitchFamily="18" charset="0"/>
+                          </a:rPr>
+                          <m:t>−1</m:t>
+                        </m:r>
+                      </m:sub>
+                      <m:sup>
+                        <m:r>
+                          <a:rPr lang="en-US" b="0" i="1" smtClean="0">
+                            <a:latin typeface="Cambria Math" panose="02040503050406030204" pitchFamily="18" charset="0"/>
+                          </a:rPr>
+                          <m:t>1</m:t>
+                        </m:r>
+                      </m:sup>
+                      <m:e>
+                        <m:nary>
+                          <m:naryPr>
+                            <m:chr m:val="∑"/>
+                            <m:ctrlPr>
+                              <a:rPr lang="pt-BR" b="0" i="1" smtClean="0">
+                                <a:latin typeface="Cambria Math" panose="02040503050406030204" pitchFamily="18" charset="0"/>
+                              </a:rPr>
+                            </m:ctrlPr>
+                          </m:naryPr>
+                          <m:sub>
+                            <m:r>
+                              <m:rPr>
+                                <m:brk m:alnAt="23"/>
+                              </m:rPr>
+                              <a:rPr lang="en-US" b="0" i="1" smtClean="0">
+                                <a:latin typeface="Cambria Math" panose="02040503050406030204" pitchFamily="18" charset="0"/>
+                              </a:rPr>
+                              <m:t>𝑗</m:t>
+                            </m:r>
+                            <m:r>
+                              <a:rPr lang="pt-BR" i="1" smtClean="0">
+                                <a:latin typeface="Cambria Math" panose="02040503050406030204" pitchFamily="18" charset="0"/>
+                              </a:rPr>
+                              <m:t>=</m:t>
+                            </m:r>
+                            <m:r>
+                              <a:rPr lang="en-US" b="0" i="1" smtClean="0">
+                                <a:latin typeface="Cambria Math" panose="02040503050406030204" pitchFamily="18" charset="0"/>
+                              </a:rPr>
+                              <m:t>−1</m:t>
+                            </m:r>
+                          </m:sub>
+                          <m:sup>
+                            <m:r>
+                              <a:rPr lang="en-US" b="0" i="1" smtClean="0">
+                                <a:latin typeface="Cambria Math" panose="02040503050406030204" pitchFamily="18" charset="0"/>
+                              </a:rPr>
+                              <m:t>1</m:t>
+                            </m:r>
+                          </m:sup>
+                          <m:e>
+                            <m:sSub>
+                              <m:sSubPr>
+                                <m:ctrlPr>
+                                  <a:rPr lang="en-US" b="0" i="1" smtClean="0">
+                                    <a:latin typeface="Cambria Math" panose="02040503050406030204" pitchFamily="18" charset="0"/>
+                                  </a:rPr>
+                                </m:ctrlPr>
+                              </m:sSubPr>
+                              <m:e>
+                                <m:r>
+                                  <a:rPr lang="en-US" b="0" i="1" smtClean="0">
+                                    <a:latin typeface="Cambria Math" panose="02040503050406030204" pitchFamily="18" charset="0"/>
+                                  </a:rPr>
+                                  <m:t>𝑊</m:t>
+                                </m:r>
+                              </m:e>
+                              <m:sub>
+                                <m:r>
+                                  <a:rPr lang="en-US" b="0" i="1" smtClean="0">
+                                    <a:latin typeface="Cambria Math" panose="02040503050406030204" pitchFamily="18" charset="0"/>
+                                  </a:rPr>
+                                  <m:t>𝑖𝑗</m:t>
+                                </m:r>
+                              </m:sub>
+                            </m:sSub>
+                            <m:r>
+                              <a:rPr lang="en-US" b="0" i="1" smtClean="0">
+                                <a:latin typeface="Cambria Math" panose="02040503050406030204" pitchFamily="18" charset="0"/>
+                              </a:rPr>
+                              <m:t>𝑓</m:t>
+                            </m:r>
+                            <m:d>
+                              <m:dPr>
+                                <m:ctrlPr>
+                                  <a:rPr lang="en-US" b="0" i="1" smtClean="0">
+                                    <a:latin typeface="Cambria Math" panose="02040503050406030204" pitchFamily="18" charset="0"/>
+                                  </a:rPr>
+                                </m:ctrlPr>
+                              </m:dPr>
+                              <m:e>
+                                <m:r>
+                                  <a:rPr lang="en-US" b="0" i="1" smtClean="0">
+                                    <a:latin typeface="Cambria Math" panose="02040503050406030204" pitchFamily="18" charset="0"/>
+                                  </a:rPr>
+                                  <m:t>𝑥</m:t>
+                                </m:r>
+                                <m:r>
+                                  <a:rPr lang="en-US" b="0" i="1" smtClean="0">
+                                    <a:latin typeface="Cambria Math" panose="02040503050406030204" pitchFamily="18" charset="0"/>
+                                  </a:rPr>
+                                  <m:t>+</m:t>
+                                </m:r>
+                                <m:r>
+                                  <a:rPr lang="en-US" b="0" i="1" smtClean="0">
+                                    <a:latin typeface="Cambria Math" panose="02040503050406030204" pitchFamily="18" charset="0"/>
+                                  </a:rPr>
+                                  <m:t>𝑖</m:t>
+                                </m:r>
+                                <m:r>
+                                  <a:rPr lang="en-US" b="0" i="1" smtClean="0">
+                                    <a:latin typeface="Cambria Math" panose="02040503050406030204" pitchFamily="18" charset="0"/>
+                                  </a:rPr>
+                                  <m:t>,</m:t>
+                                </m:r>
+                                <m:r>
+                                  <a:rPr lang="en-US" b="0" i="1" smtClean="0">
+                                    <a:latin typeface="Cambria Math" panose="02040503050406030204" pitchFamily="18" charset="0"/>
+                                  </a:rPr>
+                                  <m:t>𝑦</m:t>
+                                </m:r>
+                                <m:r>
+                                  <a:rPr lang="en-US" b="0" i="1" smtClean="0">
+                                    <a:latin typeface="Cambria Math" panose="02040503050406030204" pitchFamily="18" charset="0"/>
+                                  </a:rPr>
+                                  <m:t>+</m:t>
+                                </m:r>
+                                <m:r>
+                                  <a:rPr lang="en-US" b="0" i="1" smtClean="0">
+                                    <a:latin typeface="Cambria Math" panose="02040503050406030204" pitchFamily="18" charset="0"/>
+                                  </a:rPr>
+                                  <m:t>𝑗</m:t>
+                                </m:r>
+                              </m:e>
+                            </m:d>
+                          </m:e>
+                        </m:nary>
+                      </m:e>
+                    </m:nary>
+                  </m:oMath>
+                </a14:m>
+                <a:endParaRPr lang="en-IN" dirty="0"/>
+              </a:p>
+            </p:txBody>
+          </p:sp>
+        </mc:Choice>
+        <mc:Fallback>
+          <p:sp>
+            <p:nvSpPr>
+              <p:cNvPr id="11" name="TextBox 10">
+                <a:extLst>
+                  <a:ext uri="{FF2B5EF4-FFF2-40B4-BE49-F238E27FC236}">
+                    <a16:creationId xmlns:a16="http://schemas.microsoft.com/office/drawing/2014/main" id="{72E89655-012F-4EE6-B046-4E337BFB335E}"/>
+                  </a:ext>
+                </a:extLst>
+              </p:cNvPr>
+              <p:cNvSpPr txBox="1">
+                <a:spLocks noRot="1" noChangeAspect="1" noMove="1" noResize="1" noEditPoints="1" noAdjustHandles="1" noChangeArrowheads="1" noChangeShapeType="1" noTextEdit="1"/>
+              </p:cNvSpPr>
+              <p:nvPr/>
+            </p:nvSpPr>
+            <p:spPr>
+              <a:xfrm>
+                <a:off x="2192712" y="2564904"/>
+                <a:ext cx="3613669" cy="369332"/>
+              </a:xfrm>
+              <a:prstGeom prst="rect">
+                <a:avLst/>
+              </a:prstGeom>
+              <a:blipFill>
+                <a:blip r:embed="rId2"/>
+                <a:stretch>
+                  <a:fillRect l="-1345" t="-107937" b="-182540"/>
+                </a:stretch>
+              </a:blipFill>
+              <a:ln w="19050">
+                <a:solidFill>
+                  <a:schemeClr val="tx1"/>
+                </a:solidFill>
+              </a:ln>
+            </p:spPr>
+            <p:txBody>
+              <a:bodyPr/>
+              <a:lstStyle/>
+              <a:p>
+                <a:r>
+                  <a:rPr lang="en-IN">
+                    <a:noFill/>
+                  </a:rPr>
+                  <a:t> </a:t>
+                </a:r>
+              </a:p>
+            </p:txBody>
+          </p:sp>
+        </mc:Fallback>
+      </mc:AlternateContent>
+      <p:pic>
+        <p:nvPicPr>
+          <p:cNvPr id="13" name="Picture 12">
+            <a:extLst>
+              <a:ext uri="{FF2B5EF4-FFF2-40B4-BE49-F238E27FC236}">
+                <a16:creationId xmlns:a16="http://schemas.microsoft.com/office/drawing/2014/main" id="{11F87138-E914-49DF-99CD-27EB951BC152}"/>
+              </a:ext>
+            </a:extLst>
+          </p:cNvPr>
+          <p:cNvPicPr>
+            <a:picLocks noChangeAspect="1"/>
+          </p:cNvPicPr>
+          <p:nvPr/>
+        </p:nvPicPr>
+        <p:blipFill>
+          <a:blip r:embed="rId3"/>
+          <a:stretch>
+            <a:fillRect/>
+          </a:stretch>
+        </p:blipFill>
+        <p:spPr>
+          <a:xfrm>
+            <a:off x="6094412" y="1772812"/>
+            <a:ext cx="1881199" cy="1872212"/>
+          </a:xfrm>
+          <a:prstGeom prst="rect">
+            <a:avLst/>
+          </a:prstGeom>
+        </p:spPr>
+      </p:pic>
+      <p:sp>
+        <p:nvSpPr>
+          <p:cNvPr id="14" name="TextBox 13">
+            <a:extLst>
+              <a:ext uri="{FF2B5EF4-FFF2-40B4-BE49-F238E27FC236}">
+                <a16:creationId xmlns:a16="http://schemas.microsoft.com/office/drawing/2014/main" id="{72113673-DC6B-48DB-96F6-63BDDBC0BDF3}"/>
+              </a:ext>
+            </a:extLst>
+          </p:cNvPr>
+          <p:cNvSpPr txBox="1"/>
+          <p:nvPr/>
+        </p:nvSpPr>
+        <p:spPr>
+          <a:xfrm>
+            <a:off x="333772" y="3713256"/>
+            <a:ext cx="9505056" cy="369332"/>
+          </a:xfrm>
+          <a:prstGeom prst="rect">
+            <a:avLst/>
+          </a:prstGeom>
+          <a:noFill/>
+          <a:ln>
+            <a:solidFill>
+              <a:schemeClr val="bg2"/>
+            </a:solidFill>
+          </a:ln>
+        </p:spPr>
+        <p:txBody>
+          <a:bodyPr wrap="square" rtlCol="0" anchor="ctr" anchorCtr="1">
+            <a:spAutoFit/>
+          </a:bodyPr>
+          <a:lstStyle/>
+          <a:p>
+            <a:r>
+              <a:rPr lang="en-US" dirty="0"/>
+              <a:t>For </a:t>
+            </a:r>
+            <a:r>
+              <a:rPr lang="en-US" dirty="0" err="1"/>
+              <a:t>eg</a:t>
+            </a:r>
+            <a:r>
+              <a:rPr lang="en-US" dirty="0"/>
+              <a:t>-  If all mask coefficient is equal to 1 then this technique will be used for image smoothening.</a:t>
+            </a:r>
+            <a:endParaRPr lang="en-IN" dirty="0"/>
+          </a:p>
+        </p:txBody>
+      </p:sp>
+      <p:sp>
+        <p:nvSpPr>
+          <p:cNvPr id="15" name="TextBox 14">
+            <a:extLst>
+              <a:ext uri="{FF2B5EF4-FFF2-40B4-BE49-F238E27FC236}">
+                <a16:creationId xmlns:a16="http://schemas.microsoft.com/office/drawing/2014/main" id="{7150358D-08A7-421F-B230-F89E1831E040}"/>
+              </a:ext>
+            </a:extLst>
+          </p:cNvPr>
+          <p:cNvSpPr txBox="1"/>
+          <p:nvPr/>
+        </p:nvSpPr>
+        <p:spPr>
+          <a:xfrm>
+            <a:off x="333771" y="4798893"/>
+            <a:ext cx="9145017" cy="646331"/>
+          </a:xfrm>
+          <a:prstGeom prst="rect">
+            <a:avLst/>
+          </a:prstGeom>
+          <a:noFill/>
+          <a:ln>
+            <a:solidFill>
+              <a:schemeClr val="bg2"/>
+            </a:solidFill>
+          </a:ln>
+        </p:spPr>
+        <p:txBody>
+          <a:bodyPr wrap="square" rtlCol="0" anchor="ctr" anchorCtr="1">
+            <a:spAutoFit/>
+          </a:bodyPr>
+          <a:lstStyle/>
+          <a:p>
+            <a:pPr algn="ctr"/>
+            <a:r>
+              <a:rPr lang="en-US" dirty="0"/>
+              <a:t>A point is detected at location (</a:t>
+            </a:r>
+            <a:r>
+              <a:rPr lang="en-US" dirty="0" err="1"/>
+              <a:t>x,y</a:t>
+            </a:r>
+            <a:r>
+              <a:rPr lang="en-US" dirty="0"/>
+              <a:t>) in an image where mask is centered if corresponding value</a:t>
+            </a:r>
+          </a:p>
+          <a:p>
+            <a:pPr algn="ctr"/>
+            <a:r>
+              <a:rPr lang="en-US" dirty="0"/>
+              <a:t> |R| &gt; T (non-negative threshold value)</a:t>
+            </a:r>
+            <a:endParaRPr lang="en-IN" dirty="0"/>
           </a:p>
         </p:txBody>
       </p:sp>
@@ -7176,6 +10768,654 @@
     <p:extLst>
       <p:ext uri="{BB962C8B-B14F-4D97-AF65-F5344CB8AC3E}">
         <p14:creationId xmlns:p14="http://schemas.microsoft.com/office/powerpoint/2010/main" val="3997117863"/>
+      </p:ext>
+    </p:extLst>
+  </p:cSld>
+  <p:clrMapOvr>
+    <a:masterClrMapping/>
+  </p:clrMapOvr>
+  <mc:AlternateContent xmlns:mc="http://schemas.openxmlformats.org/markup-compatibility/2006" xmlns:p14="http://schemas.microsoft.com/office/powerpoint/2010/main">
+    <mc:Choice Requires="p14">
+      <p:transition spd="med" p14:dur="700">
+        <p:fade/>
+      </p:transition>
+    </mc:Choice>
+    <mc:Fallback xmlns="">
+      <p:transition spd="med">
+        <p:fade/>
+      </p:transition>
+    </mc:Fallback>
+  </mc:AlternateContent>
+</p:sld>
+</file>
+
+<file path=ppt/slides/slide9.xml><?xml version="1.0" encoding="utf-8"?>
+<p:sld xmlns:a="http://schemas.openxmlformats.org/drawingml/2006/main" xmlns:r="http://schemas.openxmlformats.org/officeDocument/2006/relationships" xmlns:p="http://schemas.openxmlformats.org/presentationml/2006/main">
+  <p:cSld>
+    <p:spTree>
+      <p:nvGrpSpPr>
+        <p:cNvPr id="1" name=""/>
+        <p:cNvGrpSpPr/>
+        <p:nvPr/>
+      </p:nvGrpSpPr>
+      <p:grpSpPr>
+        <a:xfrm>
+          <a:off x="0" y="0"/>
+          <a:ext cx="0" cy="0"/>
+          <a:chOff x="0" y="0"/>
+          <a:chExt cx="0" cy="0"/>
+        </a:xfrm>
+      </p:grpSpPr>
+      <p:sp>
+        <p:nvSpPr>
+          <p:cNvPr id="2" name="Title 1"/>
+          <p:cNvSpPr>
+            <a:spLocks noGrp="1"/>
+          </p:cNvSpPr>
+          <p:nvPr>
+            <p:ph type="title"/>
+          </p:nvPr>
+        </p:nvSpPr>
+        <p:spPr>
+          <a:xfrm>
+            <a:off x="7174532" y="345976"/>
+            <a:ext cx="4909622" cy="418728"/>
+          </a:xfrm>
+        </p:spPr>
+        <p:txBody>
+          <a:bodyPr>
+            <a:normAutofit fontScale="90000"/>
+          </a:bodyPr>
+          <a:lstStyle/>
+          <a:p>
+            <a:r>
+              <a:rPr lang="en-US" sz="2800" b="1" dirty="0"/>
+              <a:t>Discontinuity Based Techniques</a:t>
+            </a:r>
+          </a:p>
+        </p:txBody>
+      </p:sp>
+      <p:cxnSp>
+        <p:nvCxnSpPr>
+          <p:cNvPr id="7" name="Straight Connector 6">
+            <a:extLst>
+              <a:ext uri="{FF2B5EF4-FFF2-40B4-BE49-F238E27FC236}">
+                <a16:creationId xmlns:a16="http://schemas.microsoft.com/office/drawing/2014/main" id="{AFB9C3EB-247B-4FAE-8EA3-732271D02D2A}"/>
+              </a:ext>
+            </a:extLst>
+          </p:cNvPr>
+          <p:cNvCxnSpPr>
+            <a:cxnSpLocks/>
+          </p:cNvCxnSpPr>
+          <p:nvPr/>
+        </p:nvCxnSpPr>
+        <p:spPr>
+          <a:xfrm flipH="1">
+            <a:off x="0" y="908720"/>
+            <a:ext cx="12188826" cy="0"/>
+          </a:xfrm>
+          <a:prstGeom prst="line">
+            <a:avLst/>
+          </a:prstGeom>
+          <a:ln w="28575"/>
+        </p:spPr>
+        <p:style>
+          <a:lnRef idx="1">
+            <a:schemeClr val="accent1"/>
+          </a:lnRef>
+          <a:fillRef idx="0">
+            <a:schemeClr val="accent1"/>
+          </a:fillRef>
+          <a:effectRef idx="0">
+            <a:schemeClr val="accent1"/>
+          </a:effectRef>
+          <a:fontRef idx="minor">
+            <a:schemeClr val="tx1"/>
+          </a:fontRef>
+        </p:style>
+      </p:cxnSp>
+      <mc:AlternateContent xmlns:mc="http://schemas.openxmlformats.org/markup-compatibility/2006">
+        <mc:Choice xmlns:a14="http://schemas.microsoft.com/office/drawing/2010/main" Requires="a14">
+          <p:sp>
+            <p:nvSpPr>
+              <p:cNvPr id="11" name="TextBox 10">
+                <a:extLst>
+                  <a:ext uri="{FF2B5EF4-FFF2-40B4-BE49-F238E27FC236}">
+                    <a16:creationId xmlns:a16="http://schemas.microsoft.com/office/drawing/2014/main" id="{72E89655-012F-4EE6-B046-4E337BFB335E}"/>
+                  </a:ext>
+                </a:extLst>
+              </p:cNvPr>
+              <p:cNvSpPr txBox="1"/>
+              <p:nvPr/>
+            </p:nvSpPr>
+            <p:spPr>
+              <a:xfrm>
+                <a:off x="8038628" y="4293096"/>
+                <a:ext cx="3613669" cy="369332"/>
+              </a:xfrm>
+              <a:prstGeom prst="rect">
+                <a:avLst/>
+              </a:prstGeom>
+              <a:noFill/>
+              <a:ln w="19050">
+                <a:solidFill>
+                  <a:schemeClr val="tx1"/>
+                </a:solidFill>
+              </a:ln>
+            </p:spPr>
+            <p:txBody>
+              <a:bodyPr wrap="square" lIns="0" tIns="0" rIns="0" bIns="0" rtlCol="0" anchor="ctr" anchorCtr="1">
+                <a:spAutoFit/>
+              </a:bodyPr>
+              <a:lstStyle/>
+              <a:p>
+                <a:r>
+                  <a:rPr lang="pt-BR" sz="2400" dirty="0"/>
+                  <a:t>R</a:t>
+                </a:r>
+                <a14:m>
+                  <m:oMath xmlns:m="http://schemas.openxmlformats.org/officeDocument/2006/math">
+                    <m:r>
+                      <a:rPr lang="pt-BR" i="1" smtClean="0">
+                        <a:latin typeface="Cambria Math" panose="02040503050406030204" pitchFamily="18" charset="0"/>
+                      </a:rPr>
+                      <m:t>=</m:t>
+                    </m:r>
+                    <m:nary>
+                      <m:naryPr>
+                        <m:chr m:val="∑"/>
+                        <m:ctrlPr>
+                          <a:rPr lang="pt-BR" b="0" i="1" smtClean="0">
+                            <a:latin typeface="Cambria Math" panose="02040503050406030204" pitchFamily="18" charset="0"/>
+                          </a:rPr>
+                        </m:ctrlPr>
+                      </m:naryPr>
+                      <m:sub>
+                        <m:r>
+                          <m:rPr>
+                            <m:brk m:alnAt="23"/>
+                          </m:rPr>
+                          <a:rPr lang="en-US" b="0" i="1" smtClean="0">
+                            <a:latin typeface="Cambria Math" panose="02040503050406030204" pitchFamily="18" charset="0"/>
+                          </a:rPr>
+                          <m:t>𝑖</m:t>
+                        </m:r>
+                        <m:r>
+                          <a:rPr lang="pt-BR" i="1" smtClean="0">
+                            <a:latin typeface="Cambria Math" panose="02040503050406030204" pitchFamily="18" charset="0"/>
+                          </a:rPr>
+                          <m:t>=</m:t>
+                        </m:r>
+                        <m:r>
+                          <a:rPr lang="en-US" b="0" i="1" smtClean="0">
+                            <a:latin typeface="Cambria Math" panose="02040503050406030204" pitchFamily="18" charset="0"/>
+                          </a:rPr>
+                          <m:t>−1</m:t>
+                        </m:r>
+                      </m:sub>
+                      <m:sup>
+                        <m:r>
+                          <a:rPr lang="en-US" b="0" i="1" smtClean="0">
+                            <a:latin typeface="Cambria Math" panose="02040503050406030204" pitchFamily="18" charset="0"/>
+                          </a:rPr>
+                          <m:t>1</m:t>
+                        </m:r>
+                      </m:sup>
+                      <m:e>
+                        <m:nary>
+                          <m:naryPr>
+                            <m:chr m:val="∑"/>
+                            <m:ctrlPr>
+                              <a:rPr lang="pt-BR" b="0" i="1" smtClean="0">
+                                <a:latin typeface="Cambria Math" panose="02040503050406030204" pitchFamily="18" charset="0"/>
+                              </a:rPr>
+                            </m:ctrlPr>
+                          </m:naryPr>
+                          <m:sub>
+                            <m:r>
+                              <m:rPr>
+                                <m:brk m:alnAt="23"/>
+                              </m:rPr>
+                              <a:rPr lang="en-US" b="0" i="1" smtClean="0">
+                                <a:latin typeface="Cambria Math" panose="02040503050406030204" pitchFamily="18" charset="0"/>
+                              </a:rPr>
+                              <m:t>𝑗</m:t>
+                            </m:r>
+                            <m:r>
+                              <a:rPr lang="pt-BR" i="1" smtClean="0">
+                                <a:latin typeface="Cambria Math" panose="02040503050406030204" pitchFamily="18" charset="0"/>
+                              </a:rPr>
+                              <m:t>=</m:t>
+                            </m:r>
+                            <m:r>
+                              <a:rPr lang="en-US" b="0" i="1" smtClean="0">
+                                <a:latin typeface="Cambria Math" panose="02040503050406030204" pitchFamily="18" charset="0"/>
+                              </a:rPr>
+                              <m:t>−1</m:t>
+                            </m:r>
+                          </m:sub>
+                          <m:sup>
+                            <m:r>
+                              <a:rPr lang="en-US" b="0" i="1" smtClean="0">
+                                <a:latin typeface="Cambria Math" panose="02040503050406030204" pitchFamily="18" charset="0"/>
+                              </a:rPr>
+                              <m:t>1</m:t>
+                            </m:r>
+                          </m:sup>
+                          <m:e>
+                            <m:sSub>
+                              <m:sSubPr>
+                                <m:ctrlPr>
+                                  <a:rPr lang="en-US" b="0" i="1" smtClean="0">
+                                    <a:latin typeface="Cambria Math" panose="02040503050406030204" pitchFamily="18" charset="0"/>
+                                  </a:rPr>
+                                </m:ctrlPr>
+                              </m:sSubPr>
+                              <m:e>
+                                <m:r>
+                                  <a:rPr lang="en-US" b="0" i="1" smtClean="0">
+                                    <a:latin typeface="Cambria Math" panose="02040503050406030204" pitchFamily="18" charset="0"/>
+                                  </a:rPr>
+                                  <m:t>𝑊</m:t>
+                                </m:r>
+                              </m:e>
+                              <m:sub>
+                                <m:r>
+                                  <a:rPr lang="en-US" b="0" i="1" smtClean="0">
+                                    <a:latin typeface="Cambria Math" panose="02040503050406030204" pitchFamily="18" charset="0"/>
+                                  </a:rPr>
+                                  <m:t>𝑖𝑗</m:t>
+                                </m:r>
+                              </m:sub>
+                            </m:sSub>
+                            <m:r>
+                              <a:rPr lang="en-US" b="0" i="1" smtClean="0">
+                                <a:latin typeface="Cambria Math" panose="02040503050406030204" pitchFamily="18" charset="0"/>
+                              </a:rPr>
+                              <m:t>𝑓</m:t>
+                            </m:r>
+                            <m:d>
+                              <m:dPr>
+                                <m:ctrlPr>
+                                  <a:rPr lang="en-US" b="0" i="1" smtClean="0">
+                                    <a:latin typeface="Cambria Math" panose="02040503050406030204" pitchFamily="18" charset="0"/>
+                                  </a:rPr>
+                                </m:ctrlPr>
+                              </m:dPr>
+                              <m:e>
+                                <m:r>
+                                  <a:rPr lang="en-US" b="0" i="1" smtClean="0">
+                                    <a:latin typeface="Cambria Math" panose="02040503050406030204" pitchFamily="18" charset="0"/>
+                                  </a:rPr>
+                                  <m:t>𝑥</m:t>
+                                </m:r>
+                                <m:r>
+                                  <a:rPr lang="en-US" b="0" i="1" smtClean="0">
+                                    <a:latin typeface="Cambria Math" panose="02040503050406030204" pitchFamily="18" charset="0"/>
+                                  </a:rPr>
+                                  <m:t>+</m:t>
+                                </m:r>
+                                <m:r>
+                                  <a:rPr lang="en-US" b="0" i="1" smtClean="0">
+                                    <a:latin typeface="Cambria Math" panose="02040503050406030204" pitchFamily="18" charset="0"/>
+                                  </a:rPr>
+                                  <m:t>𝑖</m:t>
+                                </m:r>
+                                <m:r>
+                                  <a:rPr lang="en-US" b="0" i="1" smtClean="0">
+                                    <a:latin typeface="Cambria Math" panose="02040503050406030204" pitchFamily="18" charset="0"/>
+                                  </a:rPr>
+                                  <m:t>,</m:t>
+                                </m:r>
+                                <m:r>
+                                  <a:rPr lang="en-US" b="0" i="1" smtClean="0">
+                                    <a:latin typeface="Cambria Math" panose="02040503050406030204" pitchFamily="18" charset="0"/>
+                                  </a:rPr>
+                                  <m:t>𝑦</m:t>
+                                </m:r>
+                                <m:r>
+                                  <a:rPr lang="en-US" b="0" i="1" smtClean="0">
+                                    <a:latin typeface="Cambria Math" panose="02040503050406030204" pitchFamily="18" charset="0"/>
+                                  </a:rPr>
+                                  <m:t>+</m:t>
+                                </m:r>
+                                <m:r>
+                                  <a:rPr lang="en-US" b="0" i="1" smtClean="0">
+                                    <a:latin typeface="Cambria Math" panose="02040503050406030204" pitchFamily="18" charset="0"/>
+                                  </a:rPr>
+                                  <m:t>𝑗</m:t>
+                                </m:r>
+                              </m:e>
+                            </m:d>
+                          </m:e>
+                        </m:nary>
+                      </m:e>
+                    </m:nary>
+                  </m:oMath>
+                </a14:m>
+                <a:endParaRPr lang="en-IN" dirty="0"/>
+              </a:p>
+            </p:txBody>
+          </p:sp>
+        </mc:Choice>
+        <mc:Fallback>
+          <p:sp>
+            <p:nvSpPr>
+              <p:cNvPr id="11" name="TextBox 10">
+                <a:extLst>
+                  <a:ext uri="{FF2B5EF4-FFF2-40B4-BE49-F238E27FC236}">
+                    <a16:creationId xmlns:a16="http://schemas.microsoft.com/office/drawing/2014/main" id="{72E89655-012F-4EE6-B046-4E337BFB335E}"/>
+                  </a:ext>
+                </a:extLst>
+              </p:cNvPr>
+              <p:cNvSpPr txBox="1">
+                <a:spLocks noRot="1" noChangeAspect="1" noMove="1" noResize="1" noEditPoints="1" noAdjustHandles="1" noChangeArrowheads="1" noChangeShapeType="1" noTextEdit="1"/>
+              </p:cNvSpPr>
+              <p:nvPr/>
+            </p:nvSpPr>
+            <p:spPr>
+              <a:xfrm>
+                <a:off x="8038628" y="4293096"/>
+                <a:ext cx="3613669" cy="369332"/>
+              </a:xfrm>
+              <a:prstGeom prst="rect">
+                <a:avLst/>
+              </a:prstGeom>
+              <a:blipFill>
+                <a:blip r:embed="rId2"/>
+                <a:stretch>
+                  <a:fillRect l="-1345" t="-106250" b="-178125"/>
+                </a:stretch>
+              </a:blipFill>
+              <a:ln w="19050">
+                <a:solidFill>
+                  <a:schemeClr val="tx1"/>
+                </a:solidFill>
+              </a:ln>
+            </p:spPr>
+            <p:txBody>
+              <a:bodyPr/>
+              <a:lstStyle/>
+              <a:p>
+                <a:r>
+                  <a:rPr lang="en-IN">
+                    <a:noFill/>
+                  </a:rPr>
+                  <a:t> </a:t>
+                </a:r>
+              </a:p>
+            </p:txBody>
+          </p:sp>
+        </mc:Fallback>
+      </mc:AlternateContent>
+      <p:sp>
+        <p:nvSpPr>
+          <p:cNvPr id="3" name="TextBox 2">
+            <a:extLst>
+              <a:ext uri="{FF2B5EF4-FFF2-40B4-BE49-F238E27FC236}">
+                <a16:creationId xmlns:a16="http://schemas.microsoft.com/office/drawing/2014/main" id="{FA4ADBE4-8650-4FC9-8878-19A2D8F1AB1F}"/>
+              </a:ext>
+            </a:extLst>
+          </p:cNvPr>
+          <p:cNvSpPr txBox="1"/>
+          <p:nvPr/>
+        </p:nvSpPr>
+        <p:spPr>
+          <a:xfrm>
+            <a:off x="261764" y="1412776"/>
+            <a:ext cx="8208912" cy="646331"/>
+          </a:xfrm>
+          <a:prstGeom prst="rect">
+            <a:avLst/>
+          </a:prstGeom>
+          <a:noFill/>
+          <a:ln>
+            <a:solidFill>
+              <a:schemeClr val="bg2"/>
+            </a:solidFill>
+          </a:ln>
+        </p:spPr>
+        <p:txBody>
+          <a:bodyPr wrap="square" rtlCol="0" anchor="ctr" anchorCtr="1">
+            <a:spAutoFit/>
+          </a:bodyPr>
+          <a:lstStyle/>
+          <a:p>
+            <a:r>
+              <a:rPr lang="en-US" dirty="0"/>
+              <a:t>For Line detection we apply all the four masks, namely Horizontal, Vertical, line inclined at 45 degrees and line inclined at -45 degrees .</a:t>
+            </a:r>
+            <a:endParaRPr lang="en-IN" dirty="0"/>
+          </a:p>
+        </p:txBody>
+      </p:sp>
+      <p:pic>
+        <p:nvPicPr>
+          <p:cNvPr id="4" name="Picture 3">
+            <a:extLst>
+              <a:ext uri="{FF2B5EF4-FFF2-40B4-BE49-F238E27FC236}">
+                <a16:creationId xmlns:a16="http://schemas.microsoft.com/office/drawing/2014/main" id="{526807CC-03BC-4DC5-A500-7B3CECD67AD9}"/>
+              </a:ext>
+            </a:extLst>
+          </p:cNvPr>
+          <p:cNvPicPr>
+            <a:picLocks noChangeAspect="1"/>
+          </p:cNvPicPr>
+          <p:nvPr/>
+        </p:nvPicPr>
+        <p:blipFill>
+          <a:blip r:embed="rId3"/>
+          <a:stretch>
+            <a:fillRect/>
+          </a:stretch>
+        </p:blipFill>
+        <p:spPr>
+          <a:xfrm>
+            <a:off x="8550694" y="1626727"/>
+            <a:ext cx="2890837" cy="2495550"/>
+          </a:xfrm>
+          <a:prstGeom prst="rect">
+            <a:avLst/>
+          </a:prstGeom>
+        </p:spPr>
+      </p:pic>
+      <p:sp>
+        <p:nvSpPr>
+          <p:cNvPr id="12" name="TextBox 11">
+            <a:extLst>
+              <a:ext uri="{FF2B5EF4-FFF2-40B4-BE49-F238E27FC236}">
+                <a16:creationId xmlns:a16="http://schemas.microsoft.com/office/drawing/2014/main" id="{23DA1F72-CF51-424C-B210-E65BCFDB0ACD}"/>
+              </a:ext>
+            </a:extLst>
+          </p:cNvPr>
+          <p:cNvSpPr txBox="1"/>
+          <p:nvPr/>
+        </p:nvSpPr>
+        <p:spPr>
+          <a:xfrm>
+            <a:off x="549796" y="2594287"/>
+            <a:ext cx="7920880" cy="1200329"/>
+          </a:xfrm>
+          <a:prstGeom prst="rect">
+            <a:avLst/>
+          </a:prstGeom>
+          <a:noFill/>
+          <a:ln>
+            <a:solidFill>
+              <a:schemeClr val="bg2"/>
+            </a:solidFill>
+          </a:ln>
+        </p:spPr>
+        <p:txBody>
+          <a:bodyPr wrap="square" rtlCol="0" anchor="ctr" anchorCtr="1">
+            <a:spAutoFit/>
+          </a:bodyPr>
+          <a:lstStyle/>
+          <a:p>
+            <a:r>
+              <a:rPr lang="en-US" dirty="0"/>
+              <a:t>The points which are detected using horizontal line detection by mask will contain all points in horizontal direction.</a:t>
+            </a:r>
+          </a:p>
+          <a:p>
+            <a:r>
+              <a:rPr lang="en-US" dirty="0"/>
+              <a:t>Similarly the same scenario applies for vertical, and other two detections respectively.</a:t>
+            </a:r>
+            <a:endParaRPr lang="en-IN" dirty="0"/>
+          </a:p>
+        </p:txBody>
+      </p:sp>
+      <p:sp>
+        <p:nvSpPr>
+          <p:cNvPr id="16" name="TextBox 15">
+            <a:extLst>
+              <a:ext uri="{FF2B5EF4-FFF2-40B4-BE49-F238E27FC236}">
+                <a16:creationId xmlns:a16="http://schemas.microsoft.com/office/drawing/2014/main" id="{B074071C-10C2-4890-9E4E-61CCE4A461E4}"/>
+              </a:ext>
+            </a:extLst>
+          </p:cNvPr>
+          <p:cNvSpPr txBox="1"/>
+          <p:nvPr/>
+        </p:nvSpPr>
+        <p:spPr>
+          <a:xfrm>
+            <a:off x="549796" y="4662428"/>
+            <a:ext cx="7920880" cy="933589"/>
+          </a:xfrm>
+          <a:prstGeom prst="rect">
+            <a:avLst/>
+          </a:prstGeom>
+          <a:noFill/>
+          <a:ln>
+            <a:solidFill>
+              <a:schemeClr val="bg2"/>
+            </a:solidFill>
+          </a:ln>
+        </p:spPr>
+        <p:txBody>
+          <a:bodyPr wrap="square" rtlCol="0" anchor="ctr" anchorCtr="1">
+            <a:spAutoFit/>
+          </a:bodyPr>
+          <a:lstStyle/>
+          <a:p>
+            <a:r>
+              <a:rPr lang="en-US" dirty="0"/>
+              <a:t>Now there is condition which follows that while using masks over entire image, say </a:t>
+            </a:r>
+            <a:r>
+              <a:rPr lang="en-US" dirty="0" err="1"/>
+              <a:t>i</a:t>
+            </a:r>
+            <a:r>
+              <a:rPr lang="en-US" sz="2000" baseline="-25000" dirty="0" err="1"/>
+              <a:t>th</a:t>
+            </a:r>
+            <a:r>
+              <a:rPr lang="en-US" dirty="0"/>
+              <a:t> mask or </a:t>
+            </a:r>
+            <a:r>
+              <a:rPr lang="en-US" dirty="0" err="1"/>
+              <a:t>j</a:t>
+            </a:r>
+            <a:r>
+              <a:rPr lang="en-US" sz="2000" baseline="-25000" dirty="0" err="1"/>
+              <a:t>th</a:t>
+            </a:r>
+            <a:r>
+              <a:rPr lang="en-US" dirty="0"/>
+              <a:t> mask and if |R</a:t>
+            </a:r>
+            <a:r>
+              <a:rPr lang="en-US" sz="2800" baseline="-25000" dirty="0"/>
+              <a:t>i</a:t>
+            </a:r>
+            <a:r>
+              <a:rPr lang="en-US" dirty="0"/>
+              <a:t>|&gt;|</a:t>
+            </a:r>
+            <a:r>
+              <a:rPr lang="en-US" dirty="0" err="1"/>
+              <a:t>R</a:t>
+            </a:r>
+            <a:r>
+              <a:rPr lang="en-US" sz="2400" baseline="-25000" dirty="0" err="1"/>
+              <a:t>j</a:t>
+            </a:r>
+            <a:r>
+              <a:rPr lang="en-US" dirty="0"/>
+              <a:t>| for all </a:t>
+            </a:r>
+            <a:r>
+              <a:rPr lang="en-US" dirty="0" err="1"/>
+              <a:t>i≠j</a:t>
+            </a:r>
+            <a:endParaRPr lang="en-US" dirty="0"/>
+          </a:p>
+          <a:p>
+            <a:r>
+              <a:rPr lang="en-US" dirty="0"/>
+              <a:t>Then points detected is more likely to be contained on line in direction of mask </a:t>
+            </a:r>
+            <a:r>
+              <a:rPr lang="en-US" dirty="0" err="1"/>
+              <a:t>i</a:t>
+            </a:r>
+            <a:r>
+              <a:rPr lang="en-US" dirty="0"/>
+              <a:t>.</a:t>
+            </a:r>
+            <a:endParaRPr lang="en-IN" dirty="0"/>
+          </a:p>
+        </p:txBody>
+      </p:sp>
+      <p:sp>
+        <p:nvSpPr>
+          <p:cNvPr id="5" name="TextBox 4">
+            <a:extLst>
+              <a:ext uri="{FF2B5EF4-FFF2-40B4-BE49-F238E27FC236}">
+                <a16:creationId xmlns:a16="http://schemas.microsoft.com/office/drawing/2014/main" id="{989A7F28-02EE-469A-8AF0-B77FF1716829}"/>
+              </a:ext>
+            </a:extLst>
+          </p:cNvPr>
+          <p:cNvSpPr txBox="1"/>
+          <p:nvPr/>
+        </p:nvSpPr>
+        <p:spPr>
+          <a:xfrm>
+            <a:off x="9190756" y="999131"/>
+            <a:ext cx="2664296" cy="461665"/>
+          </a:xfrm>
+          <a:prstGeom prst="rect">
+            <a:avLst/>
+          </a:prstGeom>
+          <a:noFill/>
+          <a:ln>
+            <a:solidFill>
+              <a:schemeClr val="bg2"/>
+            </a:solidFill>
+          </a:ln>
+        </p:spPr>
+        <p:txBody>
+          <a:bodyPr wrap="square" rtlCol="0" anchor="ctr" anchorCtr="1">
+            <a:spAutoFit/>
+          </a:bodyPr>
+          <a:lstStyle/>
+          <a:p>
+            <a:pPr algn="r"/>
+            <a:r>
+              <a:rPr lang="en-US" sz="2400" b="1" u="sng" dirty="0"/>
+              <a:t>Line Detection</a:t>
+            </a:r>
+            <a:endParaRPr lang="en-IN" sz="2400" b="1" u="sng" dirty="0"/>
+          </a:p>
+        </p:txBody>
+      </p:sp>
+    </p:spTree>
+    <p:extLst>
+      <p:ext uri="{BB962C8B-B14F-4D97-AF65-F5344CB8AC3E}">
+        <p14:creationId xmlns:p14="http://schemas.microsoft.com/office/powerpoint/2010/main" val="998300602"/>
       </p:ext>
     </p:extLst>
   </p:cSld>
